--- a/Course III/БД/1C/Курсовой/Презентация.pptx
+++ b/Course III/БД/1C/Курсовой/Презентация.pptx
@@ -5883,7 +5883,21 @@
                 <a:latin typeface="Helvetica"/>
                 <a:cs typeface="Helvetica"/>
               </a:rPr>
-              <a:t>Целью курсового проекта является получение данных об абитуриентах колледжа для последующего их преобразования и вывода отчетов на экран или текстовый процессор </a:t>
+              <a:t>Целью курсового проекта является разработка автоматизированной системы для работы приемной </a:t>
+            </a:r>
+            <a:r>
+              <a:rPr lang="ru-RU" sz="2500">
+                <a:latin typeface="Helvetica"/>
+                <a:cs typeface="Helvetica"/>
+              </a:rPr>
+              <a:t>комиссии колледжа получения </a:t>
+            </a:r>
+            <a:r>
+              <a:rPr lang="ru-RU" sz="2500" dirty="0">
+                <a:latin typeface="Helvetica"/>
+                <a:cs typeface="Helvetica"/>
+              </a:rPr>
+              <a:t>получение данных об абитуриентах колледжа для последующего их преобразования и вывода отчетов на экран или текстовый процессор </a:t>
             </a:r>
             <a:r>
               <a:rPr lang="en-US" sz="2500" dirty="0">

--- a/Course III/БД/1C/Курсовой/Презентация.pptx
+++ b/Course III/БД/1C/Курсовой/Презентация.pptx
@@ -5,10 +5,10 @@
     <p:sldMasterId id="2147483738" r:id="rId2"/>
   </p:sldMasterIdLst>
   <p:notesMasterIdLst>
-    <p:notesMasterId r:id="rId15"/>
+    <p:notesMasterId r:id="rId14"/>
   </p:notesMasterIdLst>
   <p:handoutMasterIdLst>
-    <p:handoutMasterId r:id="rId16"/>
+    <p:handoutMasterId r:id="rId15"/>
   </p:handoutMasterIdLst>
   <p:sldIdLst>
     <p:sldId id="256" r:id="rId3"/>
@@ -17,12 +17,11 @@
     <p:sldId id="287" r:id="rId6"/>
     <p:sldId id="276" r:id="rId7"/>
     <p:sldId id="290" r:id="rId8"/>
-    <p:sldId id="288" r:id="rId9"/>
-    <p:sldId id="289" r:id="rId10"/>
-    <p:sldId id="291" r:id="rId11"/>
-    <p:sldId id="292" r:id="rId12"/>
-    <p:sldId id="296" r:id="rId13"/>
-    <p:sldId id="294" r:id="rId14"/>
+    <p:sldId id="299" r:id="rId9"/>
+    <p:sldId id="291" r:id="rId10"/>
+    <p:sldId id="292" r:id="rId11"/>
+    <p:sldId id="296" r:id="rId12"/>
+    <p:sldId id="294" r:id="rId13"/>
   </p:sldIdLst>
   <p:sldSz cx="12188825" cy="6858000"/>
   <p:notesSz cx="6858000" cy="9144000"/>
@@ -285,7 +284,7 @@
           <a:p>
             <a:fld id="{24CE221E-83ED-4F6C-BA5F-3F9E6FDB6953}" type="datetimeFigureOut">
               <a:rPr lang="ru-RU" smtClean="0"/>
-              <a:t>26.05.2018</a:t>
+              <a:t>27.05.2018</a:t>
             </a:fld>
             <a:endParaRPr lang="ru-RU" dirty="0"/>
           </a:p>
@@ -450,7 +449,7 @@
           <a:p>
             <a:fld id="{97853E5F-CE67-483C-A264-F17AC70E9CA2}" type="datetimeFigureOut">
               <a:rPr lang="ru-RU" smtClean="0"/>
-              <a:t>26.05.2018</a:t>
+              <a:t>27.05.2018</a:t>
             </a:fld>
             <a:endParaRPr lang="ru-RU" dirty="0"/>
           </a:p>
@@ -885,7 +884,7 @@
           <a:p>
             <a:fld id="{3E0FA9E5-6744-4841-888F-9E7CC0C2B7EC}" type="datetimeFigureOut">
               <a:rPr lang="ru-RU" smtClean="0"/>
-              <a:t>26.05.2018</a:t>
+              <a:t>27.05.2018</a:t>
             </a:fld>
             <a:endParaRPr lang="ru-RU" dirty="0"/>
           </a:p>
@@ -1121,7 +1120,7 @@
             <a:fld id="{3E0FA9E5-6744-4841-888F-9E7CC0C2B7EC}" type="datetimeFigureOut">
               <a:rPr lang="ru-RU" smtClean="0"/>
               <a:pPr/>
-              <a:t>26.05.2018</a:t>
+              <a:t>27.05.2018</a:t>
             </a:fld>
             <a:endParaRPr lang="ru-RU" dirty="0"/>
           </a:p>
@@ -1298,7 +1297,7 @@
             <a:fld id="{3E0FA9E5-6744-4841-888F-9E7CC0C2B7EC}" type="datetimeFigureOut">
               <a:rPr lang="ru-RU" smtClean="0"/>
               <a:pPr/>
-              <a:t>26.05.2018</a:t>
+              <a:t>27.05.2018</a:t>
             </a:fld>
             <a:endParaRPr lang="ru-RU" dirty="0"/>
           </a:p>
@@ -1464,7 +1463,7 @@
           <a:p>
             <a:fld id="{3E0FA9E5-6744-4841-888F-9E7CC0C2B7EC}" type="datetimeFigureOut">
               <a:rPr lang="ru-RU" smtClean="0"/>
-              <a:t>26.05.2018</a:t>
+              <a:t>27.05.2018</a:t>
             </a:fld>
             <a:endParaRPr lang="ru-RU" dirty="0"/>
           </a:p>
@@ -1725,7 +1724,7 @@
           <a:p>
             <a:fld id="{3E0FA9E5-6744-4841-888F-9E7CC0C2B7EC}" type="datetimeFigureOut">
               <a:rPr lang="ru-RU" smtClean="0"/>
-              <a:t>26.05.2018</a:t>
+              <a:t>27.05.2018</a:t>
             </a:fld>
             <a:endParaRPr lang="ru-RU" dirty="0"/>
           </a:p>
@@ -2058,7 +2057,7 @@
           <a:p>
             <a:fld id="{3E0FA9E5-6744-4841-888F-9E7CC0C2B7EC}" type="datetimeFigureOut">
               <a:rPr lang="ru-RU" smtClean="0"/>
-              <a:t>26.05.2018</a:t>
+              <a:t>27.05.2018</a:t>
             </a:fld>
             <a:endParaRPr lang="ru-RU" dirty="0"/>
           </a:p>
@@ -2516,7 +2515,7 @@
           <a:p>
             <a:fld id="{3E0FA9E5-6744-4841-888F-9E7CC0C2B7EC}" type="datetimeFigureOut">
               <a:rPr lang="ru-RU" smtClean="0"/>
-              <a:t>26.05.2018</a:t>
+              <a:t>27.05.2018</a:t>
             </a:fld>
             <a:endParaRPr lang="ru-RU" dirty="0"/>
           </a:p>
@@ -2641,7 +2640,7 @@
           <a:p>
             <a:fld id="{3E0FA9E5-6744-4841-888F-9E7CC0C2B7EC}" type="datetimeFigureOut">
               <a:rPr lang="ru-RU" smtClean="0"/>
-              <a:t>26.05.2018</a:t>
+              <a:t>27.05.2018</a:t>
             </a:fld>
             <a:endParaRPr lang="ru-RU" dirty="0"/>
           </a:p>
@@ -2743,7 +2742,7 @@
           <a:p>
             <a:fld id="{3E0FA9E5-6744-4841-888F-9E7CC0C2B7EC}" type="datetimeFigureOut">
               <a:rPr lang="ru-RU" smtClean="0"/>
-              <a:t>26.05.2018</a:t>
+              <a:t>27.05.2018</a:t>
             </a:fld>
             <a:endParaRPr lang="ru-RU" dirty="0"/>
           </a:p>
@@ -3037,7 +3036,7 @@
           <a:p>
             <a:fld id="{3E0FA9E5-6744-4841-888F-9E7CC0C2B7EC}" type="datetimeFigureOut">
               <a:rPr lang="ru-RU" smtClean="0"/>
-              <a:t>26.05.2018</a:t>
+              <a:t>27.05.2018</a:t>
             </a:fld>
             <a:endParaRPr lang="ru-RU" dirty="0"/>
           </a:p>
@@ -3366,7 +3365,7 @@
           <a:p>
             <a:fld id="{0393231C-9702-6447-A881-5A9BAA4CB57E}" type="datetimeFigureOut">
               <a:rPr lang="ru-RU" smtClean="0"/>
-              <a:t>26.05.2018</a:t>
+              <a:t>27.05.2018</a:t>
             </a:fld>
             <a:endParaRPr lang="ru-RU"/>
           </a:p>
@@ -3628,7 +3627,7 @@
             <a:fld id="{3E0FA9E5-6744-4841-888F-9E7CC0C2B7EC}" type="datetimeFigureOut">
               <a:rPr lang="ru-RU" smtClean="0"/>
               <a:pPr/>
-              <a:t>26.05.2018</a:t>
+              <a:t>27.05.2018</a:t>
             </a:fld>
             <a:endParaRPr lang="ru-RU" dirty="0"/>
           </a:p>
@@ -4779,8 +4778,21 @@
           <a:lstStyle/>
           <a:p>
             <a:r>
-              <a:rPr lang="ru-RU" sz="4000" dirty="0"/>
-              <a:t>Достоинства проекта</a:t>
+              <a:rPr lang="ru-RU" sz="4000" b="0" dirty="0">
+                <a:solidFill>
+                  <a:schemeClr val="tx1"/>
+                </a:solidFill>
+                <a:latin typeface="Helvetica" panose="020B0604020202020204" pitchFamily="34" charset="0"/>
+                <a:cs typeface="Helvetica" panose="020B0604020202020204" pitchFamily="34" charset="0"/>
+              </a:rPr>
+              <a:t>Результаты </a:t>
+            </a:r>
+            <a:r>
+              <a:rPr lang="ru-RU" sz="4000" dirty="0">
+                <a:latin typeface="Helvetica" panose="020B0604020202020204" pitchFamily="34" charset="0"/>
+                <a:cs typeface="Helvetica" panose="020B0604020202020204" pitchFamily="34" charset="0"/>
+              </a:rPr>
+              <a:t>выполнения проекта</a:t>
             </a:r>
             <a:endParaRPr lang="ru-RU" sz="4000" b="0" dirty="0">
               <a:solidFill>
@@ -4810,88 +4822,89 @@
         </p:spPr>
         <p:txBody>
           <a:bodyPr>
-            <a:normAutofit fontScale="92500" lnSpcReduction="20000"/>
+            <a:normAutofit/>
           </a:bodyPr>
           <a:lstStyle/>
           <a:p>
-            <a:pPr marL="342900" indent="-342900">
-              <a:buFont typeface="+mj-lt"/>
-              <a:buAutoNum type="arabicPeriod"/>
+            <a:pPr marL="45720" indent="0">
+              <a:buNone/>
             </a:pPr>
             <a:r>
-              <a:rPr lang="ru-RU" sz="2800" dirty="0"/>
-              <a:t>За счет интеграции мессенджера </a:t>
-            </a:r>
-            <a:r>
-              <a:rPr lang="en-US" sz="2800" dirty="0"/>
-              <a:t>Telegram</a:t>
-            </a:r>
-            <a:r>
-              <a:rPr lang="ru-RU" sz="2800" dirty="0"/>
-              <a:t> в программу</a:t>
-            </a:r>
-            <a:r>
-              <a:rPr lang="en-US" sz="2800" dirty="0"/>
+              <a:rPr lang="ru-RU" sz="2500" dirty="0"/>
+              <a:t>В ходе разработки программы были получены и усовершенствованы навыки работы со следующими составляющими</a:t>
+            </a:r>
+            <a:r>
+              <a:rPr lang="en-US" sz="2500" dirty="0"/>
+              <a:t>:</a:t>
+            </a:r>
+            <a:endParaRPr lang="ru-RU" sz="2500" dirty="0"/>
+          </a:p>
+          <a:p>
+            <a:pPr marL="388620" indent="-342900"/>
+            <a:r>
+              <a:rPr lang="ru-RU" sz="2500" dirty="0"/>
+              <a:t>Получение знаний 1С: Предприятие</a:t>
+            </a:r>
+          </a:p>
+          <a:p>
+            <a:pPr marL="388620" indent="-342900"/>
+            <a:r>
+              <a:rPr lang="ru-RU" sz="2500" dirty="0"/>
+              <a:t>Получение навыков работы с 1С: Предприятие</a:t>
+            </a:r>
+          </a:p>
+          <a:p>
+            <a:pPr marL="388620" indent="-342900"/>
+            <a:r>
+              <a:rPr lang="ru-RU" sz="2500" dirty="0"/>
+              <a:t>Написание ПО для 1С: Предприятие «Абитуриент колледжа»</a:t>
+            </a:r>
+          </a:p>
+          <a:p>
+            <a:pPr marL="45720" indent="0">
+              <a:buNone/>
+            </a:pPr>
+            <a:r>
+              <a:rPr lang="ru-RU" sz="2500" dirty="0"/>
+              <a:t>Цели и задачи, поставленные при выполнении курсового проекта, выполнены с соблюдением всех предъявленных требований</a:t>
+            </a:r>
+            <a:r>
+              <a:rPr lang="en-US" sz="2500" dirty="0"/>
               <a:t> </a:t>
             </a:r>
             <a:r>
-              <a:rPr lang="ru-RU" sz="2800" dirty="0"/>
-              <a:t>существует возможность оперативного реагирования на изменения в базе данных и исправление каких-либо ошибок</a:t>
-            </a:r>
-          </a:p>
-          <a:p>
-            <a:pPr marL="342900" indent="-342900">
-              <a:buFont typeface="+mj-lt"/>
-              <a:buAutoNum type="arabicPeriod"/>
+              <a:rPr lang="ru-RU" sz="2500" dirty="0"/>
+              <a:t>в установленные сроки</a:t>
+            </a:r>
+            <a:r>
+              <a:rPr lang="en-US" sz="2500" dirty="0"/>
+              <a:t>. </a:t>
+            </a:r>
+            <a:endParaRPr lang="ru-RU" sz="2500" dirty="0"/>
+          </a:p>
+          <a:p>
+            <a:pPr marL="45720" indent="0">
+              <a:buNone/>
             </a:pPr>
-            <a:r>
-              <a:rPr lang="ru-RU" sz="2800" dirty="0"/>
-              <a:t>Динамическое формирование отчетов в </a:t>
-            </a:r>
-            <a:r>
-              <a:rPr lang="en-US" sz="2800" dirty="0"/>
-              <a:t>Microsoft Office Word</a:t>
-            </a:r>
-            <a:r>
-              <a:rPr lang="ru-RU" sz="2800" dirty="0"/>
-              <a:t>: пользователю предоставляется возможность выбора пунктов для вывода.</a:t>
-            </a:r>
-          </a:p>
-          <a:p>
-            <a:pPr marL="342900" indent="-342900">
-              <a:buFont typeface="+mj-lt"/>
-              <a:buAutoNum type="arabicPeriod"/>
-            </a:pPr>
-            <a:r>
-              <a:rPr lang="ru-RU" sz="2800" dirty="0"/>
-              <a:t>Использование компактной встраиваемой реляционной база данных </a:t>
-            </a:r>
-            <a:r>
-              <a:rPr lang="en-US" sz="2800" dirty="0"/>
-              <a:t>SQLite</a:t>
-            </a:r>
-            <a:r>
-              <a:rPr lang="ru-RU" sz="2800" dirty="0"/>
-              <a:t>3, которая идеально подходит для </a:t>
-            </a:r>
-            <a:r>
-              <a:rPr lang="ru-RU" sz="2800" dirty="0" err="1"/>
-              <a:t>портируемых</a:t>
-            </a:r>
-            <a:r>
-              <a:rPr lang="ru-RU" sz="2800" dirty="0"/>
-              <a:t> и не предназначенных для масштабирования приложений.</a:t>
-            </a:r>
-          </a:p>
-          <a:p>
-            <a:endParaRPr lang="ru-RU" sz="2800" dirty="0"/>
-          </a:p>
-        </p:txBody>
-      </p:sp>
-      <p:sp>
-        <p:nvSpPr>
-          <p:cNvPr id="6" name="Управляющая кнопка: далее 5">
+            <a:endParaRPr lang="ru-RU" sz="2500" dirty="0">
+              <a:solidFill>
+                <a:schemeClr val="tx1"/>
+              </a:solidFill>
+              <a:latin typeface="Helvetica" panose="020B0604020202020204" pitchFamily="34" charset="0"/>
+              <a:cs typeface="Helvetica" panose="020B0604020202020204" pitchFamily="34" charset="0"/>
+            </a:endParaRPr>
+          </a:p>
+        </p:txBody>
+      </p:sp>
+      <p:sp>
+        <p:nvSpPr>
+          <p:cNvPr id="8" name="Управляющая кнопка: далее 7">
             <a:hlinkClick r:id="" action="ppaction://hlinkshowjump?jump=nextslide" highlightClick="1"/>
+            <a:extLst>
+              <a:ext uri="{FF2B5EF4-FFF2-40B4-BE49-F238E27FC236}">
+                <a16:creationId xmlns:a16="http://schemas.microsoft.com/office/drawing/2014/main" id="{18CF871E-BCAA-054E-9C1B-AF69350A31CB}"/>
+              </a:ext>
+            </a:extLst>
           </p:cNvPr>
           <p:cNvSpPr/>
           <p:nvPr/>
@@ -4932,8 +4945,13 @@
       </p:sp>
       <p:sp>
         <p:nvSpPr>
-          <p:cNvPr id="7" name="Управляющая кнопка: назад 6">
+          <p:cNvPr id="9" name="Управляющая кнопка: назад 8">
             <a:hlinkClick r:id="" action="ppaction://hlinkshowjump?jump=previousslide" highlightClick="1"/>
+            <a:extLst>
+              <a:ext uri="{FF2B5EF4-FFF2-40B4-BE49-F238E27FC236}">
+                <a16:creationId xmlns:a16="http://schemas.microsoft.com/office/drawing/2014/main" id="{B0BF77D5-5B71-B145-94BE-BB4080B7098C}"/>
+              </a:ext>
+            </a:extLst>
           </p:cNvPr>
           <p:cNvSpPr/>
           <p:nvPr/>
@@ -4975,7 +4993,7 @@
     </p:spTree>
     <p:extLst>
       <p:ext uri="{BB962C8B-B14F-4D97-AF65-F5344CB8AC3E}">
-        <p14:creationId xmlns:p14="http://schemas.microsoft.com/office/powerpoint/2010/main" val="695424363"/>
+        <p14:creationId xmlns:p14="http://schemas.microsoft.com/office/powerpoint/2010/main" val="385286826"/>
       </p:ext>
     </p:extLst>
   </p:cSld>
@@ -5012,269 +5030,6 @@
       </p:grpSpPr>
       <p:sp>
         <p:nvSpPr>
-          <p:cNvPr id="2" name="Заголовок 1"/>
-          <p:cNvSpPr>
-            <a:spLocks noGrp="1"/>
-          </p:cNvSpPr>
-          <p:nvPr>
-            <p:ph type="title"/>
-          </p:nvPr>
-        </p:nvSpPr>
-        <p:spPr>
-          <a:xfrm>
-            <a:off x="621804" y="188640"/>
-            <a:ext cx="11206980" cy="943398"/>
-          </a:xfrm>
-        </p:spPr>
-        <p:txBody>
-          <a:bodyPr>
-            <a:normAutofit/>
-          </a:bodyPr>
-          <a:lstStyle/>
-          <a:p>
-            <a:r>
-              <a:rPr lang="ru-RU" sz="4000" b="0" dirty="0">
-                <a:solidFill>
-                  <a:schemeClr val="tx1"/>
-                </a:solidFill>
-                <a:latin typeface="Helvetica" panose="020B0604020202020204" pitchFamily="34" charset="0"/>
-                <a:cs typeface="Helvetica" panose="020B0604020202020204" pitchFamily="34" charset="0"/>
-              </a:rPr>
-              <a:t>Результаты </a:t>
-            </a:r>
-            <a:r>
-              <a:rPr lang="ru-RU" sz="4000" dirty="0">
-                <a:latin typeface="Helvetica" panose="020B0604020202020204" pitchFamily="34" charset="0"/>
-                <a:cs typeface="Helvetica" panose="020B0604020202020204" pitchFamily="34" charset="0"/>
-              </a:rPr>
-              <a:t>выполнения проекта</a:t>
-            </a:r>
-            <a:endParaRPr lang="ru-RU" sz="4000" b="0" dirty="0">
-              <a:solidFill>
-                <a:schemeClr val="tx1"/>
-              </a:solidFill>
-              <a:latin typeface="Helvetica" panose="020B0604020202020204" pitchFamily="34" charset="0"/>
-              <a:cs typeface="Helvetica" panose="020B0604020202020204" pitchFamily="34" charset="0"/>
-            </a:endParaRPr>
-          </a:p>
-        </p:txBody>
-      </p:sp>
-      <p:sp>
-        <p:nvSpPr>
-          <p:cNvPr id="3" name="Объект 2"/>
-          <p:cNvSpPr>
-            <a:spLocks noGrp="1"/>
-          </p:cNvSpPr>
-          <p:nvPr>
-            <p:ph sz="half" idx="1"/>
-          </p:nvPr>
-        </p:nvSpPr>
-        <p:spPr>
-          <a:xfrm>
-            <a:off x="621804" y="1470148"/>
-            <a:ext cx="10225136" cy="4191000"/>
-          </a:xfrm>
-        </p:spPr>
-        <p:txBody>
-          <a:bodyPr>
-            <a:normAutofit/>
-          </a:bodyPr>
-          <a:lstStyle/>
-          <a:p>
-            <a:pPr marL="45720" indent="0">
-              <a:buNone/>
-            </a:pPr>
-            <a:r>
-              <a:rPr lang="ru-RU" sz="2500" dirty="0"/>
-              <a:t>В ходе разработки программы были получены и усовершенствованы навыки работы со следующими составляющими</a:t>
-            </a:r>
-            <a:r>
-              <a:rPr lang="en-US" sz="2500" dirty="0"/>
-              <a:t>:</a:t>
-            </a:r>
-            <a:endParaRPr lang="ru-RU" sz="2500" dirty="0"/>
-          </a:p>
-          <a:p>
-            <a:pPr marL="388620" indent="-342900"/>
-            <a:r>
-              <a:rPr lang="ru-RU" sz="2500" dirty="0"/>
-              <a:t>Получение знаний 1С: Предприятие</a:t>
-            </a:r>
-          </a:p>
-          <a:p>
-            <a:pPr marL="388620" indent="-342900"/>
-            <a:r>
-              <a:rPr lang="ru-RU" sz="2500" dirty="0"/>
-              <a:t>Получение навыков работы с 1С: Предприятие</a:t>
-            </a:r>
-          </a:p>
-          <a:p>
-            <a:pPr marL="388620" indent="-342900"/>
-            <a:r>
-              <a:rPr lang="ru-RU" sz="2500" dirty="0"/>
-              <a:t>Написание ПО для 1С: Предприятие «Абитуриент колледжа»</a:t>
-            </a:r>
-          </a:p>
-          <a:p>
-            <a:pPr marL="45720" indent="0">
-              <a:buNone/>
-            </a:pPr>
-            <a:r>
-              <a:rPr lang="ru-RU" sz="2500" dirty="0"/>
-              <a:t>Цели и задачи, поставленные при выполнении курсового проекта, выполнены с соблюдением всех предъявленных требований</a:t>
-            </a:r>
-            <a:r>
-              <a:rPr lang="en-US" sz="2500" dirty="0"/>
-              <a:t> </a:t>
-            </a:r>
-            <a:r>
-              <a:rPr lang="ru-RU" sz="2500" dirty="0"/>
-              <a:t>в установленные сроки</a:t>
-            </a:r>
-            <a:r>
-              <a:rPr lang="en-US" sz="2500" dirty="0"/>
-              <a:t>. </a:t>
-            </a:r>
-            <a:endParaRPr lang="ru-RU" sz="2500" dirty="0"/>
-          </a:p>
-          <a:p>
-            <a:pPr marL="45720" indent="0">
-              <a:buNone/>
-            </a:pPr>
-            <a:endParaRPr lang="ru-RU" sz="2500" dirty="0">
-              <a:solidFill>
-                <a:schemeClr val="tx1"/>
-              </a:solidFill>
-              <a:latin typeface="Helvetica" panose="020B0604020202020204" pitchFamily="34" charset="0"/>
-              <a:cs typeface="Helvetica" panose="020B0604020202020204" pitchFamily="34" charset="0"/>
-            </a:endParaRPr>
-          </a:p>
-        </p:txBody>
-      </p:sp>
-      <p:sp>
-        <p:nvSpPr>
-          <p:cNvPr id="6" name="Управляющая кнопка: далее 5">
-            <a:hlinkClick r:id="" action="ppaction://hlinkshowjump?jump=nextslide" highlightClick="1"/>
-          </p:cNvPr>
-          <p:cNvSpPr/>
-          <p:nvPr/>
-        </p:nvSpPr>
-        <p:spPr>
-          <a:xfrm>
-            <a:off x="9936289" y="6017356"/>
-            <a:ext cx="1224136" cy="504056"/>
-          </a:xfrm>
-          <a:prstGeom prst="actionButtonForwardNext">
-            <a:avLst/>
-          </a:prstGeom>
-        </p:spPr>
-        <p:style>
-          <a:lnRef idx="2">
-            <a:schemeClr val="accent1">
-              <a:shade val="50000"/>
-            </a:schemeClr>
-          </a:lnRef>
-          <a:fillRef idx="1">
-            <a:schemeClr val="accent1"/>
-          </a:fillRef>
-          <a:effectRef idx="0">
-            <a:schemeClr val="accent1"/>
-          </a:effectRef>
-          <a:fontRef idx="minor">
-            <a:schemeClr val="lt1"/>
-          </a:fontRef>
-        </p:style>
-        <p:txBody>
-          <a:bodyPr rtlCol="0" anchor="ctr"/>
-          <a:lstStyle/>
-          <a:p>
-            <a:pPr algn="ctr"/>
-            <a:endParaRPr lang="ru-RU"/>
-          </a:p>
-        </p:txBody>
-      </p:sp>
-      <p:sp>
-        <p:nvSpPr>
-          <p:cNvPr id="7" name="Управляющая кнопка: назад 6">
-            <a:hlinkClick r:id="" action="ppaction://hlinkshowjump?jump=previousslide" highlightClick="1"/>
-          </p:cNvPr>
-          <p:cNvSpPr/>
-          <p:nvPr/>
-        </p:nvSpPr>
-        <p:spPr>
-          <a:xfrm>
-            <a:off x="8640145" y="6017356"/>
-            <a:ext cx="1224136" cy="504056"/>
-          </a:xfrm>
-          <a:prstGeom prst="actionButtonBackPrevious">
-            <a:avLst/>
-          </a:prstGeom>
-        </p:spPr>
-        <p:style>
-          <a:lnRef idx="2">
-            <a:schemeClr val="accent1">
-              <a:shade val="50000"/>
-            </a:schemeClr>
-          </a:lnRef>
-          <a:fillRef idx="1">
-            <a:schemeClr val="accent1"/>
-          </a:fillRef>
-          <a:effectRef idx="0">
-            <a:schemeClr val="accent1"/>
-          </a:effectRef>
-          <a:fontRef idx="minor">
-            <a:schemeClr val="lt1"/>
-          </a:fontRef>
-        </p:style>
-        <p:txBody>
-          <a:bodyPr rtlCol="0" anchor="ctr"/>
-          <a:lstStyle/>
-          <a:p>
-            <a:pPr algn="ctr"/>
-            <a:endParaRPr lang="ru-RU"/>
-          </a:p>
-        </p:txBody>
-      </p:sp>
-    </p:spTree>
-    <p:extLst>
-      <p:ext uri="{BB962C8B-B14F-4D97-AF65-F5344CB8AC3E}">
-        <p14:creationId xmlns:p14="http://schemas.microsoft.com/office/powerpoint/2010/main" val="385286826"/>
-      </p:ext>
-    </p:extLst>
-  </p:cSld>
-  <p:clrMapOvr>
-    <a:masterClrMapping/>
-  </p:clrMapOvr>
-  <mc:AlternateContent xmlns:mc="http://schemas.openxmlformats.org/markup-compatibility/2006" xmlns:p14="http://schemas.microsoft.com/office/powerpoint/2010/main">
-    <mc:Choice Requires="p14">
-      <p:transition p14:dur="0"/>
-    </mc:Choice>
-    <mc:Fallback xmlns="">
-      <p:transition/>
-    </mc:Fallback>
-  </mc:AlternateContent>
-</p:sld>
-</file>
-
-<file path=ppt/slides/slide12.xml><?xml version="1.0" encoding="utf-8"?>
-<p:sld xmlns:a="http://schemas.openxmlformats.org/drawingml/2006/main" xmlns:r="http://schemas.openxmlformats.org/officeDocument/2006/relationships" xmlns:p="http://schemas.openxmlformats.org/presentationml/2006/main">
-  <p:cSld>
-    <p:spTree>
-      <p:nvGrpSpPr>
-        <p:cNvPr id="1" name=""/>
-        <p:cNvGrpSpPr/>
-        <p:nvPr/>
-      </p:nvGrpSpPr>
-      <p:grpSpPr>
-        <a:xfrm>
-          <a:off x="0" y="0"/>
-          <a:ext cx="0" cy="0"/>
-          <a:chOff x="0" y="0"/>
-          <a:chExt cx="0" cy="0"/>
-        </a:xfrm>
-      </p:grpSpPr>
-      <p:sp>
-        <p:nvSpPr>
           <p:cNvPr id="3" name="Объект 2"/>
           <p:cNvSpPr>
             <a:spLocks noGrp="1"/>
@@ -5306,25 +5061,8 @@
                 <a:latin typeface="Helvetica" panose="020B0604020202020204" pitchFamily="34" charset="0"/>
                 <a:cs typeface="Helvetica" panose="020B0604020202020204" pitchFamily="34" charset="0"/>
               </a:rPr>
-              <a:t>Спасибо </a:t>
-            </a:r>
-            <a:r>
-              <a:rPr lang="ru-RU" sz="7200">
-                <a:solidFill>
-                  <a:schemeClr val="tx1"/>
-                </a:solidFill>
-                <a:latin typeface="Helvetica" panose="020B0604020202020204" pitchFamily="34" charset="0"/>
-                <a:cs typeface="Helvetica" panose="020B0604020202020204" pitchFamily="34" charset="0"/>
-              </a:rPr>
-              <a:t>за внимание</a:t>
-            </a:r>
-            <a:endParaRPr lang="ru-RU" sz="7200" dirty="0">
-              <a:solidFill>
-                <a:schemeClr val="tx1"/>
-              </a:solidFill>
-              <a:latin typeface="Helvetica" panose="020B0604020202020204" pitchFamily="34" charset="0"/>
-              <a:cs typeface="Helvetica" panose="020B0604020202020204" pitchFamily="34" charset="0"/>
-            </a:endParaRPr>
+              <a:t>Спасибо за внимание</a:t>
+            </a:r>
           </a:p>
         </p:txBody>
       </p:sp>
@@ -5497,7 +5235,7 @@
                 <a:cs typeface="Helvetica" panose="020B0604020202020204" pitchFamily="34" charset="0"/>
                 <a:hlinkClick r:id="rId4" action="ppaction://hlinksldjump"/>
               </a:rPr>
-              <a:t>Входные и выходные данные</a:t>
+              <a:t>Концептуальная схема</a:t>
             </a:r>
             <a:endParaRPr lang="ru-RU" sz="2400" dirty="0">
               <a:solidFill>
@@ -5527,7 +5265,15 @@
                 <a:cs typeface="Helvetica" panose="020B0604020202020204" pitchFamily="34" charset="0"/>
                 <a:hlinkClick r:id="rId5" action="ppaction://hlinksldjump"/>
               </a:rPr>
-              <a:t>Информационная модель программы</a:t>
+              <a:t>Схема потоков данны</a:t>
+            </a:r>
+            <a:r>
+              <a:rPr lang="ru-RU" sz="2400" dirty="0">
+                <a:latin typeface="Helvetica" panose="020B0604020202020204" pitchFamily="34" charset="0"/>
+                <a:cs typeface="Helvetica" panose="020B0604020202020204" pitchFamily="34" charset="0"/>
+                <a:hlinkClick r:id="rId5" action="ppaction://hlinksldjump"/>
+              </a:rPr>
+              <a:t>х</a:t>
             </a:r>
             <a:endParaRPr lang="ru-RU" sz="2400" dirty="0">
               <a:solidFill>
@@ -5557,7 +5303,7 @@
                 <a:cs typeface="Helvetica" panose="020B0604020202020204" pitchFamily="34" charset="0"/>
                 <a:hlinkClick r:id="rId6" action="ppaction://hlinksldjump"/>
               </a:rPr>
-              <a:t>Логическая модель задачи</a:t>
+              <a:t>Пример работы системы оповещений</a:t>
             </a:r>
             <a:endParaRPr lang="ru-RU" sz="2400" dirty="0">
               <a:solidFill>
@@ -5580,46 +5326,16 @@
             </a:pPr>
             <a:r>
               <a:rPr lang="ru-RU" sz="2400" dirty="0">
-                <a:solidFill>
-                  <a:schemeClr val="tx1"/>
-                </a:solidFill>
                 <a:latin typeface="Helvetica" panose="020B0604020202020204" pitchFamily="34" charset="0"/>
                 <a:cs typeface="Helvetica" panose="020B0604020202020204" pitchFamily="34" charset="0"/>
-                <a:hlinkClick r:id="rId6" action="ppaction://hlinksldjump"/>
+                <a:hlinkClick r:id="rId7" action="ppaction://hlinksldjump"/>
               </a:rPr>
-              <a:t>Логическая модель программы</a:t>
+              <a:t>Альтернативные примеры работы системы оповещений</a:t>
             </a:r>
             <a:endParaRPr lang="ru-RU" sz="2400" dirty="0">
               <a:solidFill>
                 <a:schemeClr val="tx1"/>
               </a:solidFill>
-              <a:latin typeface="Helvetica" panose="020B0604020202020204" pitchFamily="34" charset="0"/>
-              <a:cs typeface="Helvetica" panose="020B0604020202020204" pitchFamily="34" charset="0"/>
-            </a:endParaRPr>
-          </a:p>
-          <a:p>
-            <a:pPr marL="342900" indent="-342900">
-              <a:lnSpc>
-                <a:spcPct val="100000"/>
-              </a:lnSpc>
-              <a:spcBef>
-                <a:spcPts val="0"/>
-              </a:spcBef>
-              <a:buClrTx/>
-              <a:buSzTx/>
-            </a:pPr>
-            <a:r>
-              <a:rPr lang="ru-RU" sz="2400" dirty="0">
-                <a:solidFill>
-                  <a:schemeClr val="tx1"/>
-                </a:solidFill>
-                <a:latin typeface="Helvetica" panose="020B0604020202020204" pitchFamily="34" charset="0"/>
-                <a:cs typeface="Helvetica" panose="020B0604020202020204" pitchFamily="34" charset="0"/>
-                <a:hlinkClick r:id="rId7" action="ppaction://hlinksldjump"/>
-              </a:rPr>
-              <a:t>Интерфейс программы</a:t>
-            </a:r>
-            <a:endParaRPr lang="ru-RU" sz="2400" dirty="0">
               <a:latin typeface="Helvetica" panose="020B0604020202020204" pitchFamily="34" charset="0"/>
               <a:cs typeface="Helvetica" panose="020B0604020202020204" pitchFamily="34" charset="0"/>
             </a:endParaRPr>
@@ -5883,36 +5599,55 @@
                 <a:latin typeface="Helvetica"/>
                 <a:cs typeface="Helvetica"/>
               </a:rPr>
-              <a:t>Целью курсового проекта является разработка автоматизированной системы для работы приемной </a:t>
-            </a:r>
-            <a:r>
-              <a:rPr lang="ru-RU" sz="2500">
+              <a:t>Целью курсового проекта является разработка автоматизированной системы для работы приемной комиссии колледжа</a:t>
+            </a:r>
+            <a:r>
+              <a:rPr lang="en-US" sz="2500" dirty="0">
                 <a:latin typeface="Helvetica"/>
                 <a:cs typeface="Helvetica"/>
               </a:rPr>
-              <a:t>комиссии колледжа получения </a:t>
+              <a:t> </a:t>
             </a:r>
             <a:r>
               <a:rPr lang="ru-RU" sz="2500" dirty="0">
                 <a:latin typeface="Helvetica"/>
                 <a:cs typeface="Helvetica"/>
               </a:rPr>
-              <a:t>получение данных об абитуриентах колледжа для последующего их преобразования и вывода отчетов на экран или текстовый процессор </a:t>
+              <a:t>для получения получение данных об абитуриентах колледжа для их последующего преобразования и формирования отчетов посредством системы 1С</a:t>
             </a:r>
             <a:r>
               <a:rPr lang="en-US" sz="2500" dirty="0">
                 <a:latin typeface="Helvetica"/>
                 <a:cs typeface="Helvetica"/>
               </a:rPr>
-              <a:t>Microsoft Office Word</a:t>
-            </a:r>
-          </a:p>
-        </p:txBody>
-      </p:sp>
-      <p:sp>
-        <p:nvSpPr>
-          <p:cNvPr id="6" name="Управляющая кнопка: далее 5">
+              <a:t>: </a:t>
+            </a:r>
+            <a:r>
+              <a:rPr lang="ru-RU" sz="2500" dirty="0">
+                <a:latin typeface="Helvetica"/>
+                <a:cs typeface="Helvetica"/>
+              </a:rPr>
+              <a:t>Предприятие </a:t>
+            </a:r>
+            <a:r>
+              <a:rPr lang="en-US" sz="2500" dirty="0">
+                <a:latin typeface="Helvetica"/>
+                <a:cs typeface="Helvetica"/>
+              </a:rPr>
+              <a:t>8.3</a:t>
+            </a:r>
+          </a:p>
+        </p:txBody>
+      </p:sp>
+      <p:sp>
+        <p:nvSpPr>
+          <p:cNvPr id="8" name="Управляющая кнопка: далее 7">
             <a:hlinkClick r:id="" action="ppaction://hlinkshowjump?jump=nextslide" highlightClick="1"/>
+            <a:extLst>
+              <a:ext uri="{FF2B5EF4-FFF2-40B4-BE49-F238E27FC236}">
+                <a16:creationId xmlns:a16="http://schemas.microsoft.com/office/drawing/2014/main" id="{4493C62C-C2A2-B047-8F1D-8F1ADD5C7FE4}"/>
+              </a:ext>
+            </a:extLst>
           </p:cNvPr>
           <p:cNvSpPr/>
           <p:nvPr/>
@@ -5953,8 +5688,13 @@
       </p:sp>
       <p:sp>
         <p:nvSpPr>
-          <p:cNvPr id="7" name="Управляющая кнопка: назад 6">
+          <p:cNvPr id="9" name="Управляющая кнопка: назад 8">
             <a:hlinkClick r:id="" action="ppaction://hlinkshowjump?jump=previousslide" highlightClick="1"/>
+            <a:extLst>
+              <a:ext uri="{FF2B5EF4-FFF2-40B4-BE49-F238E27FC236}">
+                <a16:creationId xmlns:a16="http://schemas.microsoft.com/office/drawing/2014/main" id="{E46FEE49-D217-C248-88F6-BAE5FCF959F7}"/>
+              </a:ext>
+            </a:extLst>
           </p:cNvPr>
           <p:cNvSpPr/>
           <p:nvPr/>
@@ -6073,22 +5813,19 @@
         <p:spPr>
           <a:xfrm>
             <a:off x="1261543" y="1828801"/>
-            <a:ext cx="9369373" cy="4351337"/>
+            <a:ext cx="9369373" cy="4188555"/>
           </a:xfrm>
         </p:spPr>
         <p:txBody>
           <a:bodyPr>
-            <a:normAutofit/>
+            <a:normAutofit fontScale="92500"/>
           </a:bodyPr>
           <a:lstStyle/>
           <a:p>
-            <a:pPr marL="342900" lvl="0" indent="-342900">
-              <a:buFont typeface="+mj-lt"/>
-              <a:buAutoNum type="arabicPeriod"/>
-            </a:pPr>
+            <a:pPr lvl="0"/>
             <a:r>
               <a:rPr lang="ru-RU" sz="2200" dirty="0"/>
-              <a:t>Информатизация регистрации данных об абитуриентах: Предполагает ведение базы данных </a:t>
+              <a:t>Информатизация регистрации данных об абитуриентах: предполагает ведение базы данных </a:t>
             </a:r>
             <a:r>
               <a:rPr lang="ru-RU" sz="2200" dirty="0" err="1"/>
@@ -6096,26 +5833,19 @@
             </a:r>
             <a:r>
               <a:rPr lang="ru-RU" sz="2200" dirty="0"/>
-              <a:t> несколькими таблицами, содержащими информацию об абитуриентах колледжа. На основании полученных данных ведется формирование рейтинга абитуриентов с определенной выборкой по направлению (ПКС/ИБАС) или по типу аттестата (оригинал/копия)</a:t>
-            </a:r>
-            <a:endParaRPr lang="en-US" sz="2200" dirty="0"/>
-          </a:p>
-          <a:p>
-            <a:pPr marL="342900" lvl="0" indent="-342900">
-              <a:buFont typeface="+mj-lt"/>
-              <a:buAutoNum type="arabicPeriod"/>
-            </a:pPr>
+              <a:t> несколькими таблицами, содержащими данные об абитуриентах колледжа. На основании полученных данных ведется формирование рейтинга абитуриентов с произвольной выборкой</a:t>
+            </a:r>
+            <a:r>
+              <a:rPr lang="en-US" sz="2200" dirty="0"/>
+              <a:t>.</a:t>
+            </a:r>
             <a:r>
               <a:rPr lang="ru-RU" sz="2200" dirty="0"/>
-              <a:t>Редактирование базы данных — удаление, обновление, добавление данных абитуриентов.</a:t>
-            </a:r>
-            <a:endParaRPr lang="en-US" sz="2200" dirty="0"/>
-          </a:p>
-          <a:p>
-            <a:pPr marL="342900" lvl="0" indent="-342900">
-              <a:buFont typeface="+mj-lt"/>
-              <a:buAutoNum type="arabicPeriod"/>
-            </a:pPr>
+              <a:t> </a:t>
+            </a:r>
+          </a:p>
+          <a:p>
+            <a:pPr lvl="0"/>
             <a:r>
               <a:rPr lang="ru-RU" sz="2200" dirty="0"/>
               <a:t>Формирование отчетов. Создание отчетов по каждому абитуриенту при приеме документов в колледж, а также при формировании рейтинга абитуриентов </a:t>
@@ -6130,14 +5860,39 @@
             </a:r>
           </a:p>
           <a:p>
-            <a:endParaRPr lang="ru-RU" dirty="0"/>
-          </a:p>
-        </p:txBody>
-      </p:sp>
-      <p:sp>
-        <p:nvSpPr>
-          <p:cNvPr id="6" name="Управляющая кнопка: далее 5">
+            <a:pPr lvl="0"/>
+            <a:r>
+              <a:rPr lang="ru-RU" sz="2200" dirty="0"/>
+              <a:t>Оповещение пользователей и/или администраторов за счет интеграции кроссплатформенного мессенджера </a:t>
+            </a:r>
+            <a:r>
+              <a:rPr lang="en-US" sz="2200" dirty="0"/>
+              <a:t>Telegram</a:t>
+            </a:r>
+            <a:r>
+              <a:rPr lang="ru-RU" sz="2200" dirty="0"/>
+              <a:t> непосредственно в универсальный общий модуль системы</a:t>
+            </a:r>
+            <a:r>
+              <a:rPr lang="en-US" sz="2200" dirty="0"/>
+              <a:t> 1C:</a:t>
+            </a:r>
+            <a:r>
+              <a:rPr lang="ru-RU" sz="2200" dirty="0"/>
+              <a:t>Предприятие.</a:t>
+            </a:r>
+          </a:p>
+        </p:txBody>
+      </p:sp>
+      <p:sp>
+        <p:nvSpPr>
+          <p:cNvPr id="8" name="Управляющая кнопка: далее 7">
             <a:hlinkClick r:id="" action="ppaction://hlinkshowjump?jump=nextslide" highlightClick="1"/>
+            <a:extLst>
+              <a:ext uri="{FF2B5EF4-FFF2-40B4-BE49-F238E27FC236}">
+                <a16:creationId xmlns:a16="http://schemas.microsoft.com/office/drawing/2014/main" id="{76CE577D-BBDB-5247-A528-163C14696EDC}"/>
+              </a:ext>
+            </a:extLst>
           </p:cNvPr>
           <p:cNvSpPr/>
           <p:nvPr/>
@@ -6178,8 +5933,13 @@
       </p:sp>
       <p:sp>
         <p:nvSpPr>
-          <p:cNvPr id="7" name="Управляющая кнопка: назад 6">
+          <p:cNvPr id="9" name="Управляющая кнопка: назад 8">
             <a:hlinkClick r:id="" action="ppaction://hlinkshowjump?jump=previousslide" highlightClick="1"/>
+            <a:extLst>
+              <a:ext uri="{FF2B5EF4-FFF2-40B4-BE49-F238E27FC236}">
+                <a16:creationId xmlns:a16="http://schemas.microsoft.com/office/drawing/2014/main" id="{A1A52092-7141-FA4D-A08C-1A1994285E7C}"/>
+              </a:ext>
+            </a:extLst>
           </p:cNvPr>
           <p:cNvSpPr/>
           <p:nvPr/>
@@ -6279,137 +6039,17 @@
           <a:lstStyle/>
           <a:p>
             <a:r>
-              <a:rPr lang="ru-RU" sz="4000" b="0" dirty="0">
-                <a:solidFill>
-                  <a:schemeClr val="tx1"/>
-                </a:solidFill>
-                <a:latin typeface="Helvetica" panose="020B0604020202020204" pitchFamily="34" charset="0"/>
-                <a:cs typeface="Helvetica" panose="020B0604020202020204" pitchFamily="34" charset="0"/>
+              <a:rPr lang="ru-RU" sz="4000" dirty="0">
+                <a:latin typeface="Helvetica" pitchFamily="2" charset="0"/>
+                <a:cs typeface="Arial" panose="020B0604020202020204" pitchFamily="34" charset="0"/>
               </a:rPr>
-              <a:t>Входные и выходные данные</a:t>
-            </a:r>
-          </a:p>
-        </p:txBody>
-      </p:sp>
-      <p:sp>
-        <p:nvSpPr>
-          <p:cNvPr id="3" name="Объект 2"/>
-          <p:cNvSpPr>
-            <a:spLocks noGrp="1"/>
-          </p:cNvSpPr>
-          <p:nvPr>
-            <p:ph sz="half" idx="1"/>
-          </p:nvPr>
-        </p:nvSpPr>
-        <p:spPr>
-          <a:xfrm>
-            <a:off x="621804" y="1470148"/>
-            <a:ext cx="8640960" cy="1526804"/>
-          </a:xfrm>
-        </p:spPr>
-        <p:txBody>
-          <a:bodyPr>
-            <a:noAutofit/>
-          </a:bodyPr>
-          <a:lstStyle/>
-          <a:p>
-            <a:pPr marL="331470" indent="-285750"/>
-            <a:r>
-              <a:rPr lang="ru-RU" sz="2100" dirty="0"/>
-              <a:t>Входные данные — </a:t>
-            </a:r>
-            <a:r>
-              <a:rPr lang="ru-RU" sz="2100" dirty="0" err="1"/>
-              <a:t>cодержание</a:t>
-            </a:r>
-            <a:r>
-              <a:rPr lang="ru-RU" sz="2100" dirty="0"/>
-              <a:t> элементов </a:t>
-            </a:r>
-            <a:r>
-              <a:rPr lang="en-US" sz="2100" dirty="0"/>
-              <a:t>Windows</a:t>
-            </a:r>
-            <a:r>
-              <a:rPr lang="ru-RU" sz="2100" dirty="0"/>
-              <a:t> </a:t>
-            </a:r>
-            <a:r>
-              <a:rPr lang="en-US" sz="2100" dirty="0"/>
-              <a:t>Forms</a:t>
-            </a:r>
-            <a:r>
-              <a:rPr lang="ru-RU" sz="2100" dirty="0"/>
-              <a:t>, как: </a:t>
-            </a:r>
-            <a:r>
-              <a:rPr lang="en-US" sz="2100" dirty="0" err="1"/>
-              <a:t>TextBox</a:t>
-            </a:r>
-            <a:r>
-              <a:rPr lang="ru-RU" sz="2100" dirty="0"/>
-              <a:t>, </a:t>
-            </a:r>
-            <a:r>
-              <a:rPr lang="en-US" sz="2100" dirty="0" err="1"/>
-              <a:t>Combobox</a:t>
-            </a:r>
-            <a:r>
-              <a:rPr lang="ru-RU" sz="2100" dirty="0"/>
-              <a:t> и </a:t>
-            </a:r>
-            <a:r>
-              <a:rPr lang="ru-RU" sz="2100" dirty="0" err="1"/>
-              <a:t>RadioButton</a:t>
-            </a:r>
-            <a:r>
-              <a:rPr lang="ru-RU" sz="2100" dirty="0"/>
-              <a:t>. </a:t>
-            </a:r>
-          </a:p>
-          <a:p>
-            <a:pPr marL="331470" indent="-285750"/>
-            <a:r>
-              <a:rPr lang="ru-RU" sz="2100" dirty="0"/>
-              <a:t>Выходные данные — база данных </a:t>
-            </a:r>
-            <a:r>
-              <a:rPr lang="en-US" sz="2100" dirty="0"/>
-              <a:t>SQLite</a:t>
-            </a:r>
-            <a:r>
-              <a:rPr lang="ru-RU" sz="2100" dirty="0"/>
-              <a:t>3, документы Microsoft </a:t>
-            </a:r>
-            <a:r>
-              <a:rPr lang="en-US" sz="2100" dirty="0"/>
-              <a:t>Word</a:t>
-            </a:r>
-            <a:r>
-              <a:rPr lang="ru-RU" sz="2100" dirty="0"/>
-              <a:t>, а также содержание элементов </a:t>
-            </a:r>
-            <a:r>
-              <a:rPr lang="en-US" sz="2100" dirty="0" err="1"/>
-              <a:t>WindowsForms</a:t>
-            </a:r>
-            <a:r>
-              <a:rPr lang="ru-RU" sz="2100" dirty="0"/>
-              <a:t> </a:t>
-            </a:r>
-            <a:r>
-              <a:rPr lang="ru-RU" sz="2100" dirty="0" err="1"/>
-              <a:t>GridTable</a:t>
-            </a:r>
-            <a:r>
-              <a:rPr lang="ru-RU" sz="2100" dirty="0"/>
-              <a:t>.</a:t>
-            </a:r>
-            <a:endParaRPr lang="ru-RU" sz="2100" dirty="0">
+              <a:t>Концептуальная схема</a:t>
+            </a:r>
+            <a:endParaRPr lang="ru-RU" sz="4000" b="0" dirty="0">
               <a:solidFill>
                 <a:schemeClr val="tx1"/>
               </a:solidFill>
-              <a:latin typeface="Helvetica" panose="020B0604020202020204" pitchFamily="34" charset="0"/>
+              <a:latin typeface="Helvetica" pitchFamily="2" charset="0"/>
               <a:cs typeface="Helvetica" panose="020B0604020202020204" pitchFamily="34" charset="0"/>
             </a:endParaRPr>
           </a:p>
@@ -6417,7 +6057,13 @@
       </p:sp>
       <p:pic>
         <p:nvPicPr>
-          <p:cNvPr id="4" name="Рисунок 3"/>
+          <p:cNvPr id="10" name="Рисунок 9">
+            <a:extLst>
+              <a:ext uri="{FF2B5EF4-FFF2-40B4-BE49-F238E27FC236}">
+                <a16:creationId xmlns:a16="http://schemas.microsoft.com/office/drawing/2014/main" id="{1CDC9833-989C-014E-8EE2-A7B26A6DCE44}"/>
+              </a:ext>
+            </a:extLst>
+          </p:cNvPr>
           <p:cNvPicPr>
             <a:picLocks noChangeAspect="1"/>
           </p:cNvPicPr>
@@ -6437,8 +6083,8 @@
         </p:blipFill>
         <p:spPr>
           <a:xfrm>
-            <a:off x="2710036" y="3240949"/>
-            <a:ext cx="4931852" cy="3280463"/>
+            <a:off x="261764" y="1106910"/>
+            <a:ext cx="8378381" cy="5559021"/>
           </a:xfrm>
           <a:prstGeom prst="rect">
             <a:avLst/>
@@ -6447,8 +6093,13 @@
       </p:pic>
       <p:sp>
         <p:nvSpPr>
-          <p:cNvPr id="7" name="Управляющая кнопка: далее 6">
+          <p:cNvPr id="11" name="Управляющая кнопка: далее 10">
             <a:hlinkClick r:id="" action="ppaction://hlinkshowjump?jump=nextslide" highlightClick="1"/>
+            <a:extLst>
+              <a:ext uri="{FF2B5EF4-FFF2-40B4-BE49-F238E27FC236}">
+                <a16:creationId xmlns:a16="http://schemas.microsoft.com/office/drawing/2014/main" id="{BB1D976B-72E7-4E46-AC32-FFB87DBFA331}"/>
+              </a:ext>
+            </a:extLst>
           </p:cNvPr>
           <p:cNvSpPr/>
           <p:nvPr/>
@@ -6489,8 +6140,13 @@
       </p:sp>
       <p:sp>
         <p:nvSpPr>
-          <p:cNvPr id="8" name="Управляющая кнопка: назад 7">
+          <p:cNvPr id="12" name="Управляющая кнопка: назад 11">
             <a:hlinkClick r:id="" action="ppaction://hlinkshowjump?jump=previousslide" highlightClick="1"/>
+            <a:extLst>
+              <a:ext uri="{FF2B5EF4-FFF2-40B4-BE49-F238E27FC236}">
+                <a16:creationId xmlns:a16="http://schemas.microsoft.com/office/drawing/2014/main" id="{A26A76B6-CB4F-9A44-A85B-F9D3EE932482}"/>
+              </a:ext>
+            </a:extLst>
           </p:cNvPr>
           <p:cNvSpPr/>
           <p:nvPr/>
@@ -6590,21 +6246,31 @@
           <a:lstStyle/>
           <a:p>
             <a:r>
-              <a:rPr lang="ru-RU" sz="4000" b="0" dirty="0">
-                <a:solidFill>
-                  <a:schemeClr val="tx1"/>
-                </a:solidFill>
-                <a:latin typeface="Helvetica" panose="020B0604020202020204" pitchFamily="34" charset="0"/>
-                <a:cs typeface="Helvetica" panose="020B0604020202020204" pitchFamily="34" charset="0"/>
+              <a:rPr lang="ru-RU" sz="4000" dirty="0">
+                <a:latin typeface="Helvetica" pitchFamily="2" charset="0"/>
+                <a:cs typeface="Arial" panose="020B0604020202020204" pitchFamily="34" charset="0"/>
               </a:rPr>
-              <a:t>Информационная модель программы </a:t>
-            </a:r>
+              <a:t>Схема потоков данных</a:t>
+            </a:r>
+            <a:endParaRPr lang="ru-RU" sz="4000" b="0" dirty="0">
+              <a:solidFill>
+                <a:schemeClr val="tx1"/>
+              </a:solidFill>
+              <a:latin typeface="Helvetica" pitchFamily="2" charset="0"/>
+              <a:cs typeface="Helvetica" panose="020B0604020202020204" pitchFamily="34" charset="0"/>
+            </a:endParaRPr>
           </a:p>
         </p:txBody>
       </p:sp>
       <p:pic>
         <p:nvPicPr>
-          <p:cNvPr id="5" name="Рисунок 4"/>
+          <p:cNvPr id="7" name="Рисунок 6">
+            <a:extLst>
+              <a:ext uri="{FF2B5EF4-FFF2-40B4-BE49-F238E27FC236}">
+                <a16:creationId xmlns:a16="http://schemas.microsoft.com/office/drawing/2014/main" id="{6B196068-0E32-E244-8098-A11D243130B6}"/>
+              </a:ext>
+            </a:extLst>
+          </p:cNvPr>
           <p:cNvPicPr>
             <a:picLocks noChangeAspect="1"/>
           </p:cNvPicPr>
@@ -6624,8 +6290,8 @@
         </p:blipFill>
         <p:spPr>
           <a:xfrm>
-            <a:off x="2854052" y="1132038"/>
-            <a:ext cx="5222657" cy="5108846"/>
+            <a:off x="80341" y="1161006"/>
+            <a:ext cx="8527668" cy="5508354"/>
           </a:xfrm>
           <a:prstGeom prst="rect">
             <a:avLst/>
@@ -6634,8 +6300,13 @@
       </p:pic>
       <p:sp>
         <p:nvSpPr>
-          <p:cNvPr id="4" name="Управляющая кнопка: далее 3">
+          <p:cNvPr id="8" name="Управляющая кнопка: далее 7">
             <a:hlinkClick r:id="" action="ppaction://hlinkshowjump?jump=nextslide" highlightClick="1"/>
+            <a:extLst>
+              <a:ext uri="{FF2B5EF4-FFF2-40B4-BE49-F238E27FC236}">
+                <a16:creationId xmlns:a16="http://schemas.microsoft.com/office/drawing/2014/main" id="{BFBD73DF-8039-3F4C-A459-6B518B0CE037}"/>
+              </a:ext>
+            </a:extLst>
           </p:cNvPr>
           <p:cNvSpPr/>
           <p:nvPr/>
@@ -6676,8 +6347,13 @@
       </p:sp>
       <p:sp>
         <p:nvSpPr>
-          <p:cNvPr id="6" name="Управляющая кнопка: назад 5">
+          <p:cNvPr id="9" name="Управляющая кнопка: назад 8">
             <a:hlinkClick r:id="" action="ppaction://hlinkshowjump?jump=previousslide" highlightClick="1"/>
+            <a:extLst>
+              <a:ext uri="{FF2B5EF4-FFF2-40B4-BE49-F238E27FC236}">
+                <a16:creationId xmlns:a16="http://schemas.microsoft.com/office/drawing/2014/main" id="{97FECED6-A6EC-0C46-8A75-837708FAFF15}"/>
+              </a:ext>
+            </a:extLst>
           </p:cNvPr>
           <p:cNvSpPr/>
           <p:nvPr/>
@@ -6784,35 +6460,35 @@
                 <a:latin typeface="Helvetica" panose="020B0604020202020204" pitchFamily="34" charset="0"/>
                 <a:cs typeface="Helvetica" panose="020B0604020202020204" pitchFamily="34" charset="0"/>
               </a:rPr>
-              <a:t>Логическая модель задачи</a:t>
+              <a:t>Пример работы системы оповещений</a:t>
             </a:r>
           </a:p>
         </p:txBody>
       </p:sp>
       <p:pic>
         <p:nvPicPr>
-          <p:cNvPr id="4" name="Рисунок 3"/>
+          <p:cNvPr id="9" name="Рисунок 8">
+            <a:extLst>
+              <a:ext uri="{FF2B5EF4-FFF2-40B4-BE49-F238E27FC236}">
+                <a16:creationId xmlns:a16="http://schemas.microsoft.com/office/drawing/2014/main" id="{4BC8EBF0-12B2-2B47-BBCB-B6B6269DA573}"/>
+              </a:ext>
+            </a:extLst>
+          </p:cNvPr>
           <p:cNvPicPr>
             <a:picLocks noChangeAspect="1"/>
           </p:cNvPicPr>
           <p:nvPr/>
         </p:nvPicPr>
         <p:blipFill>
-          <a:blip r:embed="rId2">
-            <a:extLst>
-              <a:ext uri="{28A0092B-C50C-407E-A947-70E740481C1C}">
-                <a14:useLocalDpi xmlns:a14="http://schemas.microsoft.com/office/drawing/2010/main" val="0"/>
-              </a:ext>
-            </a:extLst>
-          </a:blip>
+          <a:blip r:embed="rId2"/>
           <a:stretch>
             <a:fillRect/>
           </a:stretch>
         </p:blipFill>
         <p:spPr>
           <a:xfrm>
-            <a:off x="1773932" y="1132038"/>
-            <a:ext cx="7272808" cy="4873601"/>
+            <a:off x="6782173" y="1035540"/>
+            <a:ext cx="4395846" cy="5485872"/>
           </a:xfrm>
           <a:prstGeom prst="rect">
             <a:avLst/>
@@ -6821,8 +6497,13 @@
       </p:pic>
       <p:sp>
         <p:nvSpPr>
-          <p:cNvPr id="5" name="Управляющая кнопка: далее 4">
+          <p:cNvPr id="10" name="Управляющая кнопка: далее 9">
             <a:hlinkClick r:id="" action="ppaction://hlinkshowjump?jump=nextslide" highlightClick="1"/>
+            <a:extLst>
+              <a:ext uri="{FF2B5EF4-FFF2-40B4-BE49-F238E27FC236}">
+                <a16:creationId xmlns:a16="http://schemas.microsoft.com/office/drawing/2014/main" id="{5A6C03AC-EE99-084B-B4F8-C1413CF9821C}"/>
+              </a:ext>
+            </a:extLst>
           </p:cNvPr>
           <p:cNvSpPr/>
           <p:nvPr/>
@@ -6863,8 +6544,13 @@
       </p:sp>
       <p:sp>
         <p:nvSpPr>
-          <p:cNvPr id="6" name="Управляющая кнопка: назад 5">
+          <p:cNvPr id="11" name="Управляющая кнопка: назад 10">
             <a:hlinkClick r:id="" action="ppaction://hlinkshowjump?jump=previousslide" highlightClick="1"/>
+            <a:extLst>
+              <a:ext uri="{FF2B5EF4-FFF2-40B4-BE49-F238E27FC236}">
+                <a16:creationId xmlns:a16="http://schemas.microsoft.com/office/drawing/2014/main" id="{212311F2-6476-5D4A-8943-0EC37F0A50CA}"/>
+              </a:ext>
+            </a:extLst>
           </p:cNvPr>
           <p:cNvSpPr/>
           <p:nvPr/>
@@ -6903,10 +6589,46 @@
           </a:p>
         </p:txBody>
       </p:sp>
+      <p:pic>
+        <p:nvPicPr>
+          <p:cNvPr id="6" name="Рисунок 5">
+            <a:extLst>
+              <a:ext uri="{FF2B5EF4-FFF2-40B4-BE49-F238E27FC236}">
+                <a16:creationId xmlns:a16="http://schemas.microsoft.com/office/drawing/2014/main" id="{AD074977-D207-DA4B-B303-B5AE0705F592}"/>
+              </a:ext>
+            </a:extLst>
+          </p:cNvPr>
+          <p:cNvPicPr>
+            <a:picLocks noChangeAspect="1"/>
+          </p:cNvPicPr>
+          <p:nvPr/>
+        </p:nvPicPr>
+        <p:blipFill>
+          <a:blip r:embed="rId3">
+            <a:extLst>
+              <a:ext uri="{28A0092B-C50C-407E-A947-70E740481C1C}">
+                <a14:useLocalDpi xmlns:a14="http://schemas.microsoft.com/office/drawing/2010/main" val="0"/>
+              </a:ext>
+            </a:extLst>
+          </a:blip>
+          <a:stretch>
+            <a:fillRect/>
+          </a:stretch>
+        </p:blipFill>
+        <p:spPr>
+          <a:xfrm>
+            <a:off x="621804" y="1218748"/>
+            <a:ext cx="6160369" cy="4711897"/>
+          </a:xfrm>
+          <a:prstGeom prst="rect">
+            <a:avLst/>
+          </a:prstGeom>
+        </p:spPr>
+      </p:pic>
     </p:spTree>
     <p:extLst>
       <p:ext uri="{BB962C8B-B14F-4D97-AF65-F5344CB8AC3E}">
-        <p14:creationId xmlns:p14="http://schemas.microsoft.com/office/powerpoint/2010/main" val="1210173459"/>
+        <p14:creationId xmlns:p14="http://schemas.microsoft.com/office/powerpoint/2010/main" val="2092002667"/>
       </p:ext>
     </p:extLst>
   </p:cSld>
@@ -6959,10 +6681,17 @@
         </p:spPr>
         <p:txBody>
           <a:bodyPr>
-            <a:normAutofit/>
+            <a:normAutofit fontScale="90000"/>
           </a:bodyPr>
           <a:lstStyle/>
           <a:p>
+            <a:r>
+              <a:rPr lang="ru-RU" sz="4000" dirty="0">
+                <a:latin typeface="Helvetica" panose="020B0604020202020204" pitchFamily="34" charset="0"/>
+                <a:cs typeface="Helvetica" panose="020B0604020202020204" pitchFamily="34" charset="0"/>
+              </a:rPr>
+              <a:t>Альтернативные п</a:t>
+            </a:r>
             <a:r>
               <a:rPr lang="ru-RU" sz="4000" b="0" dirty="0">
                 <a:solidFill>
@@ -6971,45 +6700,110 @@
                 <a:latin typeface="Helvetica" panose="020B0604020202020204" pitchFamily="34" charset="0"/>
                 <a:cs typeface="Helvetica" panose="020B0604020202020204" pitchFamily="34" charset="0"/>
               </a:rPr>
-              <a:t>Логическая модель программы</a:t>
+              <a:t>римеры работы системы оповещений</a:t>
             </a:r>
           </a:p>
         </p:txBody>
       </p:sp>
       <p:pic>
         <p:nvPicPr>
-          <p:cNvPr id="4" name="Рисунок 3"/>
+          <p:cNvPr id="14" name="Рисунок 13">
+            <a:extLst>
+              <a:ext uri="{FF2B5EF4-FFF2-40B4-BE49-F238E27FC236}">
+                <a16:creationId xmlns:a16="http://schemas.microsoft.com/office/drawing/2014/main" id="{F39E395E-9F0E-544E-8636-00833CDD6278}"/>
+              </a:ext>
+            </a:extLst>
+          </p:cNvPr>
           <p:cNvPicPr>
             <a:picLocks noChangeAspect="1"/>
           </p:cNvPicPr>
           <p:nvPr/>
         </p:nvPicPr>
         <p:blipFill>
-          <a:blip r:embed="rId2">
-            <a:extLst>
-              <a:ext uri="{28A0092B-C50C-407E-A947-70E740481C1C}">
-                <a14:useLocalDpi xmlns:a14="http://schemas.microsoft.com/office/drawing/2010/main" val="0"/>
-              </a:ext>
-            </a:extLst>
-          </a:blip>
+          <a:blip r:embed="rId2"/>
           <a:stretch>
             <a:fillRect/>
           </a:stretch>
         </p:blipFill>
         <p:spPr>
           <a:xfrm>
-            <a:off x="1629916" y="1132038"/>
-            <a:ext cx="8918634" cy="4817242"/>
+            <a:off x="-386308" y="1364864"/>
+            <a:ext cx="4588239" cy="5147780"/>
           </a:xfrm>
           <a:prstGeom prst="rect">
             <a:avLst/>
           </a:prstGeom>
         </p:spPr>
       </p:pic>
-      <p:sp>
-        <p:nvSpPr>
-          <p:cNvPr id="5" name="Управляющая кнопка: далее 4">
+      <p:pic>
+        <p:nvPicPr>
+          <p:cNvPr id="15" name="Рисунок 14">
+            <a:extLst>
+              <a:ext uri="{FF2B5EF4-FFF2-40B4-BE49-F238E27FC236}">
+                <a16:creationId xmlns:a16="http://schemas.microsoft.com/office/drawing/2014/main" id="{D085EAE1-F298-F84E-9C0B-82F8C8AD6BAA}"/>
+              </a:ext>
+            </a:extLst>
+          </p:cNvPr>
+          <p:cNvPicPr>
+            <a:picLocks noChangeAspect="1"/>
+          </p:cNvPicPr>
+          <p:nvPr/>
+        </p:nvPicPr>
+        <p:blipFill>
+          <a:blip r:embed="rId3"/>
+          <a:stretch>
+            <a:fillRect/>
+          </a:stretch>
+        </p:blipFill>
+        <p:spPr>
+          <a:xfrm>
+            <a:off x="3327267" y="1373632"/>
+            <a:ext cx="4588238" cy="5147780"/>
+          </a:xfrm>
+          <a:prstGeom prst="rect">
+            <a:avLst/>
+          </a:prstGeom>
+        </p:spPr>
+      </p:pic>
+      <p:pic>
+        <p:nvPicPr>
+          <p:cNvPr id="16" name="Рисунок 15">
+            <a:extLst>
+              <a:ext uri="{FF2B5EF4-FFF2-40B4-BE49-F238E27FC236}">
+                <a16:creationId xmlns:a16="http://schemas.microsoft.com/office/drawing/2014/main" id="{92C60878-B757-CF4F-8087-8C23935600D4}"/>
+              </a:ext>
+            </a:extLst>
+          </p:cNvPr>
+          <p:cNvPicPr>
+            <a:picLocks noChangeAspect="1"/>
+          </p:cNvPicPr>
+          <p:nvPr/>
+        </p:nvPicPr>
+        <p:blipFill>
+          <a:blip r:embed="rId4"/>
+          <a:stretch>
+            <a:fillRect/>
+          </a:stretch>
+        </p:blipFill>
+        <p:spPr>
+          <a:xfrm>
+            <a:off x="7040842" y="1373632"/>
+            <a:ext cx="4588238" cy="5147780"/>
+          </a:xfrm>
+          <a:prstGeom prst="rect">
+            <a:avLst/>
+          </a:prstGeom>
+        </p:spPr>
+      </p:pic>
+      <p:sp>
+        <p:nvSpPr>
+          <p:cNvPr id="17" name="Управляющая кнопка: далее 16">
             <a:hlinkClick r:id="" action="ppaction://hlinkshowjump?jump=nextslide" highlightClick="1"/>
+            <a:extLst>
+              <a:ext uri="{FF2B5EF4-FFF2-40B4-BE49-F238E27FC236}">
+                <a16:creationId xmlns:a16="http://schemas.microsoft.com/office/drawing/2014/main" id="{CB6E9728-8CA3-0C4F-A425-D0B178C55ABB}"/>
+              </a:ext>
+            </a:extLst>
           </p:cNvPr>
           <p:cNvSpPr/>
           <p:nvPr/>
@@ -7050,8 +6844,13 @@
       </p:sp>
       <p:sp>
         <p:nvSpPr>
-          <p:cNvPr id="6" name="Управляющая кнопка: назад 5">
+          <p:cNvPr id="18" name="Управляющая кнопка: назад 17">
             <a:hlinkClick r:id="" action="ppaction://hlinkshowjump?jump=previousslide" highlightClick="1"/>
+            <a:extLst>
+              <a:ext uri="{FF2B5EF4-FFF2-40B4-BE49-F238E27FC236}">
+                <a16:creationId xmlns:a16="http://schemas.microsoft.com/office/drawing/2014/main" id="{4C2DA1ED-EB2C-3B47-8BD2-74162B054435}"/>
+              </a:ext>
+            </a:extLst>
           </p:cNvPr>
           <p:cNvSpPr/>
           <p:nvPr/>
@@ -7093,7 +6892,7 @@
     </p:spTree>
     <p:extLst>
       <p:ext uri="{BB962C8B-B14F-4D97-AF65-F5344CB8AC3E}">
-        <p14:creationId xmlns:p14="http://schemas.microsoft.com/office/powerpoint/2010/main" val="1097139918"/>
+        <p14:creationId xmlns:p14="http://schemas.microsoft.com/office/powerpoint/2010/main" val="1825477181"/>
       </p:ext>
     </p:extLst>
   </p:cSld>
@@ -7151,175 +6950,147 @@
           <a:lstStyle/>
           <a:p>
             <a:r>
-              <a:rPr lang="ru-RU" sz="4000" b="0" dirty="0">
-                <a:solidFill>
-                  <a:schemeClr val="tx1"/>
-                </a:solidFill>
-                <a:latin typeface="Helvetica" panose="020B0604020202020204" pitchFamily="34" charset="0"/>
-                <a:cs typeface="Helvetica" panose="020B0604020202020204" pitchFamily="34" charset="0"/>
+              <a:rPr lang="ru-RU" sz="4000" dirty="0">
+                <a:latin typeface="Helvetica" pitchFamily="2" charset="0"/>
               </a:rPr>
-              <a:t>Интерфейс программы</a:t>
-            </a:r>
-          </a:p>
-        </p:txBody>
-      </p:sp>
-      <p:pic>
-        <p:nvPicPr>
-          <p:cNvPr id="4" name="Рисунок 3" descr="/Users/georgiydemo/Desktop/Снимок.PNG"/>
-          <p:cNvPicPr/>
-          <p:nvPr/>
-        </p:nvPicPr>
-        <p:blipFill>
-          <a:blip r:embed="rId2">
+              <a:t>Достоинства</a:t>
+            </a:r>
+            <a:r>
+              <a:rPr lang="ru-RU" sz="4000" dirty="0"/>
+              <a:t> проекта</a:t>
+            </a:r>
+            <a:endParaRPr lang="ru-RU" sz="4000" b="0" dirty="0">
+              <a:solidFill>
+                <a:schemeClr val="tx1"/>
+              </a:solidFill>
+              <a:latin typeface="Helvetica" panose="020B0604020202020204" pitchFamily="34" charset="0"/>
+              <a:cs typeface="Helvetica" panose="020B0604020202020204" pitchFamily="34" charset="0"/>
+            </a:endParaRPr>
+          </a:p>
+        </p:txBody>
+      </p:sp>
+      <p:sp>
+        <p:nvSpPr>
+          <p:cNvPr id="3" name="Объект 2"/>
+          <p:cNvSpPr>
+            <a:spLocks noGrp="1"/>
+          </p:cNvSpPr>
+          <p:nvPr>
+            <p:ph sz="half" idx="1"/>
+          </p:nvPr>
+        </p:nvSpPr>
+        <p:spPr>
+          <a:xfrm>
+            <a:off x="621804" y="1470148"/>
+            <a:ext cx="10225136" cy="4191000"/>
+          </a:xfrm>
+        </p:spPr>
+        <p:txBody>
+          <a:bodyPr>
+            <a:normAutofit fontScale="85000" lnSpcReduction="20000"/>
+          </a:bodyPr>
+          <a:lstStyle/>
+          <a:p>
+            <a:pPr marL="342900" indent="-342900">
+              <a:buFont typeface="+mj-lt"/>
+              <a:buAutoNum type="arabicPeriod"/>
+            </a:pPr>
+            <a:r>
+              <a:rPr lang="ru-RU" sz="2800" dirty="0"/>
+              <a:t>За счет интеграции мессенджера </a:t>
+            </a:r>
+            <a:r>
+              <a:rPr lang="en-US" sz="2800" dirty="0"/>
+              <a:t>Telegram</a:t>
+            </a:r>
+            <a:r>
+              <a:rPr lang="ru-RU" sz="2800" dirty="0"/>
+              <a:t> в программу</a:t>
+            </a:r>
+            <a:r>
+              <a:rPr lang="en-US" sz="2800" dirty="0"/>
+              <a:t> </a:t>
+            </a:r>
+            <a:r>
+              <a:rPr lang="ru-RU" sz="2800" dirty="0"/>
+              <a:t>существует возможность оперативного реагирования на изменения в базе данных и исправление каких-либо ошибок</a:t>
+            </a:r>
+            <a:r>
+              <a:rPr lang="en-US" sz="2800" dirty="0"/>
+              <a:t>.</a:t>
+            </a:r>
+            <a:endParaRPr lang="ru-RU" sz="2800" dirty="0"/>
+          </a:p>
+          <a:p>
+            <a:pPr marL="342900" indent="-342900">
+              <a:buFont typeface="+mj-lt"/>
+              <a:buAutoNum type="arabicPeriod"/>
+            </a:pPr>
+            <a:r>
+              <a:rPr lang="ru-RU" sz="2800" dirty="0"/>
+              <a:t>Уделено внимание безопасности и предотвращению несанкционированных действий со стороны пользователей системы</a:t>
+            </a:r>
+            <a:r>
+              <a:rPr lang="en-US" sz="2800" dirty="0"/>
+              <a:t> </a:t>
+            </a:r>
+            <a:r>
+              <a:rPr lang="ru-RU" sz="2800" dirty="0"/>
+              <a:t>при помощи ролей</a:t>
+            </a:r>
+            <a:r>
+              <a:rPr lang="en-US" sz="2800" dirty="0"/>
+              <a:t>, </a:t>
+            </a:r>
+            <a:r>
+              <a:rPr lang="ru-RU" sz="2800" dirty="0"/>
+              <a:t>визуальное шифрование токена доступа к </a:t>
+            </a:r>
+            <a:r>
+              <a:rPr lang="en-US" sz="2800" dirty="0"/>
+              <a:t>Telegram-</a:t>
+            </a:r>
+            <a:r>
+              <a:rPr lang="ru-RU" sz="2800" dirty="0"/>
+              <a:t>боту посредством его конвертации в формат стандарта </a:t>
+            </a:r>
+            <a:r>
+              <a:rPr lang="en-US" sz="2800" dirty="0"/>
+              <a:t>Base64.</a:t>
+            </a:r>
+          </a:p>
+          <a:p>
+            <a:pPr marL="342900" indent="-342900">
+              <a:buFont typeface="+mj-lt"/>
+              <a:buAutoNum type="arabicPeriod"/>
+            </a:pPr>
+            <a:r>
+              <a:rPr lang="ru-RU" sz="2800" dirty="0"/>
+              <a:t>За счет использования 1С: Предприятие 8.3 стало возможным реализовать относительно простой и понятный интерфейс взаимодействия с сотрудником приемной комиссии: для использования программы пользователю достаточно прочитать руководство пользователя и знать основы работы с компьютером.</a:t>
+            </a:r>
+            <a:endParaRPr lang="en-US" sz="2800" dirty="0"/>
+          </a:p>
+          <a:p>
+            <a:pPr marL="342900" indent="-342900">
+              <a:buFont typeface="+mj-lt"/>
+              <a:buAutoNum type="arabicPeriod"/>
+            </a:pPr>
+            <a:endParaRPr lang="ru-RU" sz="2800" dirty="0"/>
+          </a:p>
+          <a:p>
+            <a:endParaRPr lang="ru-RU" sz="2800" dirty="0"/>
+          </a:p>
+        </p:txBody>
+      </p:sp>
+      <p:sp>
+        <p:nvSpPr>
+          <p:cNvPr id="8" name="Управляющая кнопка: далее 7">
+            <a:hlinkClick r:id="" action="ppaction://hlinkshowjump?jump=nextslide" highlightClick="1"/>
             <a:extLst>
-              <a:ext uri="{28A0092B-C50C-407E-A947-70E740481C1C}">
-                <a14:useLocalDpi xmlns:a14="http://schemas.microsoft.com/office/drawing/2010/main" val="0"/>
+              <a:ext uri="{FF2B5EF4-FFF2-40B4-BE49-F238E27FC236}">
+                <a16:creationId xmlns:a16="http://schemas.microsoft.com/office/drawing/2014/main" id="{36B7C324-F72C-A44E-829D-E5C3B3686BAD}"/>
               </a:ext>
             </a:extLst>
-          </a:blip>
-          <a:srcRect/>
-          <a:stretch>
-            <a:fillRect/>
-          </a:stretch>
-        </p:blipFill>
-        <p:spPr bwMode="auto">
-          <a:xfrm>
-            <a:off x="400048" y="1394455"/>
-            <a:ext cx="2207661" cy="2899595"/>
-          </a:xfrm>
-          <a:prstGeom prst="rect">
-            <a:avLst/>
-          </a:prstGeom>
-          <a:noFill/>
-          <a:ln>
-            <a:noFill/>
-          </a:ln>
-        </p:spPr>
-      </p:pic>
-      <p:pic>
-        <p:nvPicPr>
-          <p:cNvPr id="8" name="Рисунок 7"/>
-          <p:cNvPicPr>
-            <a:picLocks noChangeAspect="1"/>
-          </p:cNvPicPr>
-          <p:nvPr/>
-        </p:nvPicPr>
-        <p:blipFill>
-          <a:blip r:embed="rId3">
-            <a:extLst>
-              <a:ext uri="{28A0092B-C50C-407E-A947-70E740481C1C}">
-                <a14:useLocalDpi xmlns:a14="http://schemas.microsoft.com/office/drawing/2010/main" val="0"/>
-              </a:ext>
-            </a:extLst>
-          </a:blip>
-          <a:stretch>
-            <a:fillRect/>
-          </a:stretch>
-        </p:blipFill>
-        <p:spPr>
-          <a:xfrm>
-            <a:off x="3109262" y="4248144"/>
-            <a:ext cx="5487662" cy="1989168"/>
-          </a:xfrm>
-          <a:prstGeom prst="rect">
-            <a:avLst/>
-          </a:prstGeom>
-        </p:spPr>
-      </p:pic>
-      <p:pic>
-        <p:nvPicPr>
-          <p:cNvPr id="9" name="Рисунок 8"/>
-          <p:cNvPicPr>
-            <a:picLocks noChangeAspect="1"/>
-          </p:cNvPicPr>
-          <p:nvPr/>
-        </p:nvPicPr>
-        <p:blipFill>
-          <a:blip r:embed="rId4">
-            <a:extLst>
-              <a:ext uri="{28A0092B-C50C-407E-A947-70E740481C1C}">
-                <a14:useLocalDpi xmlns:a14="http://schemas.microsoft.com/office/drawing/2010/main" val="0"/>
-              </a:ext>
-            </a:extLst>
-          </a:blip>
-          <a:stretch>
-            <a:fillRect/>
-          </a:stretch>
-        </p:blipFill>
-        <p:spPr>
-          <a:xfrm>
-            <a:off x="8637973" y="1394455"/>
-            <a:ext cx="2466825" cy="2566160"/>
-          </a:xfrm>
-          <a:prstGeom prst="rect">
-            <a:avLst/>
-          </a:prstGeom>
-        </p:spPr>
-      </p:pic>
-      <p:pic>
-        <p:nvPicPr>
-          <p:cNvPr id="10" name="Рисунок 9"/>
-          <p:cNvPicPr>
-            <a:picLocks noChangeAspect="1"/>
-          </p:cNvPicPr>
-          <p:nvPr/>
-        </p:nvPicPr>
-        <p:blipFill>
-          <a:blip r:embed="rId5">
-            <a:extLst>
-              <a:ext uri="{28A0092B-C50C-407E-A947-70E740481C1C}">
-                <a14:useLocalDpi xmlns:a14="http://schemas.microsoft.com/office/drawing/2010/main" val="0"/>
-              </a:ext>
-            </a:extLst>
-          </a:blip>
-          <a:stretch>
-            <a:fillRect/>
-          </a:stretch>
-        </p:blipFill>
-        <p:spPr>
-          <a:xfrm>
-            <a:off x="2852132" y="1394455"/>
-            <a:ext cx="5353050" cy="2552700"/>
-          </a:xfrm>
-          <a:prstGeom prst="rect">
-            <a:avLst/>
-          </a:prstGeom>
-        </p:spPr>
-      </p:pic>
-      <p:pic>
-        <p:nvPicPr>
-          <p:cNvPr id="11" name="Рисунок 10"/>
-          <p:cNvPicPr>
-            <a:picLocks noChangeAspect="1"/>
-          </p:cNvPicPr>
-          <p:nvPr/>
-        </p:nvPicPr>
-        <p:blipFill>
-          <a:blip r:embed="rId6">
-            <a:extLst>
-              <a:ext uri="{28A0092B-C50C-407E-A947-70E740481C1C}">
-                <a14:useLocalDpi xmlns:a14="http://schemas.microsoft.com/office/drawing/2010/main" val="0"/>
-              </a:ext>
-            </a:extLst>
-          </a:blip>
-          <a:stretch>
-            <a:fillRect/>
-          </a:stretch>
-        </p:blipFill>
-        <p:spPr>
-          <a:xfrm>
-            <a:off x="125559" y="4559459"/>
-            <a:ext cx="2756641" cy="1976459"/>
-          </a:xfrm>
-          <a:prstGeom prst="rect">
-            <a:avLst/>
-          </a:prstGeom>
-        </p:spPr>
-      </p:pic>
-      <p:sp>
-        <p:nvSpPr>
-          <p:cNvPr id="12" name="Управляющая кнопка: далее 11">
-            <a:hlinkClick r:id="" action="ppaction://hlinkshowjump?jump=nextslide" highlightClick="1"/>
           </p:cNvPr>
           <p:cNvSpPr/>
           <p:nvPr/>
@@ -7360,8 +7131,13 @@
       </p:sp>
       <p:sp>
         <p:nvSpPr>
-          <p:cNvPr id="13" name="Управляющая кнопка: назад 12">
+          <p:cNvPr id="9" name="Управляющая кнопка: назад 8">
             <a:hlinkClick r:id="" action="ppaction://hlinkshowjump?jump=previousslide" highlightClick="1"/>
+            <a:extLst>
+              <a:ext uri="{FF2B5EF4-FFF2-40B4-BE49-F238E27FC236}">
+                <a16:creationId xmlns:a16="http://schemas.microsoft.com/office/drawing/2014/main" id="{988C0278-6F2C-A647-ACF6-0C6D233005DC}"/>
+              </a:ext>
+            </a:extLst>
           </p:cNvPr>
           <p:cNvSpPr/>
           <p:nvPr/>
@@ -7403,7 +7179,7 @@
     </p:spTree>
     <p:extLst>
       <p:ext uri="{BB962C8B-B14F-4D97-AF65-F5344CB8AC3E}">
-        <p14:creationId xmlns:p14="http://schemas.microsoft.com/office/powerpoint/2010/main" val="1825477181"/>
+        <p14:creationId xmlns:p14="http://schemas.microsoft.com/office/powerpoint/2010/main" val="695424363"/>
       </p:ext>
     </p:extLst>
   </p:cSld>

--- a/Course III/БД/1C/Курсовой/Презентация.pptx
+++ b/Course III/БД/1C/Курсовой/Презентация.pptx
@@ -284,7 +284,7 @@
           <a:p>
             <a:fld id="{24CE221E-83ED-4F6C-BA5F-3F9E6FDB6953}" type="datetimeFigureOut">
               <a:rPr lang="ru-RU" smtClean="0"/>
-              <a:t>27.05.2018</a:t>
+              <a:t>29.05.2018</a:t>
             </a:fld>
             <a:endParaRPr lang="ru-RU" dirty="0"/>
           </a:p>
@@ -449,7 +449,7 @@
           <a:p>
             <a:fld id="{97853E5F-CE67-483C-A264-F17AC70E9CA2}" type="datetimeFigureOut">
               <a:rPr lang="ru-RU" smtClean="0"/>
-              <a:t>27.05.2018</a:t>
+              <a:t>29.05.2018</a:t>
             </a:fld>
             <a:endParaRPr lang="ru-RU" dirty="0"/>
           </a:p>
@@ -884,7 +884,7 @@
           <a:p>
             <a:fld id="{3E0FA9E5-6744-4841-888F-9E7CC0C2B7EC}" type="datetimeFigureOut">
               <a:rPr lang="ru-RU" smtClean="0"/>
-              <a:t>27.05.2018</a:t>
+              <a:t>29.05.2018</a:t>
             </a:fld>
             <a:endParaRPr lang="ru-RU" dirty="0"/>
           </a:p>
@@ -1120,7 +1120,7 @@
             <a:fld id="{3E0FA9E5-6744-4841-888F-9E7CC0C2B7EC}" type="datetimeFigureOut">
               <a:rPr lang="ru-RU" smtClean="0"/>
               <a:pPr/>
-              <a:t>27.05.2018</a:t>
+              <a:t>29.05.2018</a:t>
             </a:fld>
             <a:endParaRPr lang="ru-RU" dirty="0"/>
           </a:p>
@@ -1297,7 +1297,7 @@
             <a:fld id="{3E0FA9E5-6744-4841-888F-9E7CC0C2B7EC}" type="datetimeFigureOut">
               <a:rPr lang="ru-RU" smtClean="0"/>
               <a:pPr/>
-              <a:t>27.05.2018</a:t>
+              <a:t>29.05.2018</a:t>
             </a:fld>
             <a:endParaRPr lang="ru-RU" dirty="0"/>
           </a:p>
@@ -1463,7 +1463,7 @@
           <a:p>
             <a:fld id="{3E0FA9E5-6744-4841-888F-9E7CC0C2B7EC}" type="datetimeFigureOut">
               <a:rPr lang="ru-RU" smtClean="0"/>
-              <a:t>27.05.2018</a:t>
+              <a:t>29.05.2018</a:t>
             </a:fld>
             <a:endParaRPr lang="ru-RU" dirty="0"/>
           </a:p>
@@ -1724,7 +1724,7 @@
           <a:p>
             <a:fld id="{3E0FA9E5-6744-4841-888F-9E7CC0C2B7EC}" type="datetimeFigureOut">
               <a:rPr lang="ru-RU" smtClean="0"/>
-              <a:t>27.05.2018</a:t>
+              <a:t>29.05.2018</a:t>
             </a:fld>
             <a:endParaRPr lang="ru-RU" dirty="0"/>
           </a:p>
@@ -2057,7 +2057,7 @@
           <a:p>
             <a:fld id="{3E0FA9E5-6744-4841-888F-9E7CC0C2B7EC}" type="datetimeFigureOut">
               <a:rPr lang="ru-RU" smtClean="0"/>
-              <a:t>27.05.2018</a:t>
+              <a:t>29.05.2018</a:t>
             </a:fld>
             <a:endParaRPr lang="ru-RU" dirty="0"/>
           </a:p>
@@ -2515,7 +2515,7 @@
           <a:p>
             <a:fld id="{3E0FA9E5-6744-4841-888F-9E7CC0C2B7EC}" type="datetimeFigureOut">
               <a:rPr lang="ru-RU" smtClean="0"/>
-              <a:t>27.05.2018</a:t>
+              <a:t>29.05.2018</a:t>
             </a:fld>
             <a:endParaRPr lang="ru-RU" dirty="0"/>
           </a:p>
@@ -2640,7 +2640,7 @@
           <a:p>
             <a:fld id="{3E0FA9E5-6744-4841-888F-9E7CC0C2B7EC}" type="datetimeFigureOut">
               <a:rPr lang="ru-RU" smtClean="0"/>
-              <a:t>27.05.2018</a:t>
+              <a:t>29.05.2018</a:t>
             </a:fld>
             <a:endParaRPr lang="ru-RU" dirty="0"/>
           </a:p>
@@ -2742,7 +2742,7 @@
           <a:p>
             <a:fld id="{3E0FA9E5-6744-4841-888F-9E7CC0C2B7EC}" type="datetimeFigureOut">
               <a:rPr lang="ru-RU" smtClean="0"/>
-              <a:t>27.05.2018</a:t>
+              <a:t>29.05.2018</a:t>
             </a:fld>
             <a:endParaRPr lang="ru-RU" dirty="0"/>
           </a:p>
@@ -3036,7 +3036,7 @@
           <a:p>
             <a:fld id="{3E0FA9E5-6744-4841-888F-9E7CC0C2B7EC}" type="datetimeFigureOut">
               <a:rPr lang="ru-RU" smtClean="0"/>
-              <a:t>27.05.2018</a:t>
+              <a:t>29.05.2018</a:t>
             </a:fld>
             <a:endParaRPr lang="ru-RU" dirty="0"/>
           </a:p>
@@ -3365,7 +3365,7 @@
           <a:p>
             <a:fld id="{0393231C-9702-6447-A881-5A9BAA4CB57E}" type="datetimeFigureOut">
               <a:rPr lang="ru-RU" smtClean="0"/>
-              <a:t>27.05.2018</a:t>
+              <a:t>29.05.2018</a:t>
             </a:fld>
             <a:endParaRPr lang="ru-RU"/>
           </a:p>
@@ -3627,7 +3627,7 @@
             <a:fld id="{3E0FA9E5-6744-4841-888F-9E7CC0C2B7EC}" type="datetimeFigureOut">
               <a:rPr lang="ru-RU" smtClean="0"/>
               <a:pPr/>
-              <a:t>27.05.2018</a:t>
+              <a:t>29.05.2018</a:t>
             </a:fld>
             <a:endParaRPr lang="ru-RU" dirty="0"/>
           </a:p>
@@ -4695,6 +4695,16 @@
           <a:p>
             <a:pPr algn="ctr"/>
             <a:r>
+              <a:rPr lang="ru-RU" sz="1800" dirty="0">
+                <a:solidFill>
+                  <a:schemeClr val="tx1"/>
+                </a:solidFill>
+                <a:latin typeface="Helvetica" panose="020B0604020202020204" pitchFamily="34" charset="0"/>
+                <a:cs typeface="Helvetica" panose="020B0604020202020204" pitchFamily="34" charset="0"/>
+              </a:rPr>
+              <a:t>Москва </a:t>
+            </a:r>
+            <a:r>
               <a:rPr lang="en-US" sz="1800" dirty="0">
                 <a:solidFill>
                   <a:schemeClr val="tx1"/>
@@ -4822,7 +4832,7 @@
         </p:spPr>
         <p:txBody>
           <a:bodyPr>
-            <a:normAutofit/>
+            <a:normAutofit fontScale="92500"/>
           </a:bodyPr>
           <a:lstStyle/>
           <a:p>
@@ -4843,22 +4853,55 @@
             <a:pPr marL="388620" indent="-342900"/>
             <a:r>
               <a:rPr lang="ru-RU" sz="2500" dirty="0"/>
-              <a:t>Получение знаний 1С: Предприятие</a:t>
+              <a:t>Получение навыков работы с 1С:Предприятие</a:t>
             </a:r>
           </a:p>
           <a:p>
             <a:pPr marL="388620" indent="-342900"/>
             <a:r>
               <a:rPr lang="ru-RU" sz="2500" dirty="0"/>
-              <a:t>Получение навыков работы с 1С: Предприятие</a:t>
+              <a:t>Написание ПО для 1С:Предприятие «АИС Абитуриент колледжа»</a:t>
             </a:r>
           </a:p>
           <a:p>
             <a:pPr marL="388620" indent="-342900"/>
             <a:r>
+              <a:rPr lang="ru-RU" sz="2500"/>
+              <a:t>Реализация интеграции </a:t>
+            </a:r>
+            <a:r>
               <a:rPr lang="ru-RU" sz="2500" dirty="0"/>
-              <a:t>Написание ПО для 1С: Предприятие «Абитуриент колледжа»</a:t>
-            </a:r>
+              <a:t>сторонних сервисов в </a:t>
+            </a:r>
+            <a:r>
+              <a:rPr lang="en-US" sz="2500" dirty="0"/>
+              <a:t>1</a:t>
+            </a:r>
+            <a:r>
+              <a:rPr lang="ru-RU" sz="2500" dirty="0"/>
+              <a:t>С</a:t>
+            </a:r>
+            <a:r>
+              <a:rPr lang="en-US" sz="2500" dirty="0"/>
+              <a:t>:</a:t>
+            </a:r>
+            <a:r>
+              <a:rPr lang="ru-RU" sz="2500" dirty="0"/>
+              <a:t>Предприятие на примере</a:t>
+            </a:r>
+            <a:r>
+              <a:rPr lang="en-US" sz="2500" dirty="0"/>
+              <a:t> </a:t>
+            </a:r>
+            <a:r>
+              <a:rPr lang="ru-RU" sz="2500" dirty="0"/>
+              <a:t>мессенджера </a:t>
+            </a:r>
+            <a:r>
+              <a:rPr lang="en-US" sz="2500" dirty="0"/>
+              <a:t>Telegram</a:t>
+            </a:r>
+            <a:endParaRPr lang="ru-RU" sz="2500" dirty="0"/>
           </a:p>
           <a:p>
             <a:pPr marL="45720" indent="0">
@@ -5613,14 +5656,14 @@
                 <a:latin typeface="Helvetica"/>
                 <a:cs typeface="Helvetica"/>
               </a:rPr>
-              <a:t>для получения получение данных об абитуриентах колледжа для их последующего преобразования и формирования отчетов посредством системы 1С</a:t>
+              <a:t>для получения получение данных об абитуриентах колледжа и их последующего преобразования и формирования отчетов посредством системы 1С</a:t>
             </a:r>
             <a:r>
               <a:rPr lang="en-US" sz="2500" dirty="0">
                 <a:latin typeface="Helvetica"/>
                 <a:cs typeface="Helvetica"/>
               </a:rPr>
-              <a:t>: </a:t>
+              <a:t>:</a:t>
             </a:r>
             <a:r>
               <a:rPr lang="ru-RU" sz="2500" dirty="0">
@@ -5879,7 +5922,15 @@
             </a:r>
             <a:r>
               <a:rPr lang="ru-RU" sz="2200" dirty="0"/>
-              <a:t>Предприятие.</a:t>
+              <a:t>Предприятие 8</a:t>
+            </a:r>
+            <a:r>
+              <a:rPr lang="en-US" sz="2200" dirty="0"/>
+              <a:t>.3</a:t>
+            </a:r>
+            <a:r>
+              <a:rPr lang="ru-RU" sz="2200" dirty="0"/>
+              <a:t>.</a:t>
             </a:r>
           </a:p>
         </p:txBody>
@@ -7066,7 +7117,7 @@
             </a:pPr>
             <a:r>
               <a:rPr lang="ru-RU" sz="2800" dirty="0"/>
-              <a:t>За счет использования 1С: Предприятие 8.3 стало возможным реализовать относительно простой и понятный интерфейс взаимодействия с сотрудником приемной комиссии: для использования программы пользователю достаточно прочитать руководство пользователя и знать основы работы с компьютером.</a:t>
+              <a:t>За счет использования 1С:Предприятие 8.3 стало возможным реализовать относительно простой и понятный интерфейс взаимодействия с сотрудником приемной комиссии: для использования программы пользователю достаточно прочитать руководство пользователя и знать основы работы с компьютером.</a:t>
             </a:r>
             <a:endParaRPr lang="en-US" sz="2800" dirty="0"/>
           </a:p>

--- a/Course III/БД/1C/Курсовой/Презентация.pptx
+++ b/Course III/БД/1C/Курсовой/Презентация.pptx
@@ -284,7 +284,7 @@
           <a:p>
             <a:fld id="{24CE221E-83ED-4F6C-BA5F-3F9E6FDB6953}" type="datetimeFigureOut">
               <a:rPr lang="ru-RU" smtClean="0"/>
-              <a:t>29.05.2018</a:t>
+              <a:t>01.06.2018</a:t>
             </a:fld>
             <a:endParaRPr lang="ru-RU" dirty="0"/>
           </a:p>
@@ -449,7 +449,7 @@
           <a:p>
             <a:fld id="{97853E5F-CE67-483C-A264-F17AC70E9CA2}" type="datetimeFigureOut">
               <a:rPr lang="ru-RU" smtClean="0"/>
-              <a:t>29.05.2018</a:t>
+              <a:t>01.06.2018</a:t>
             </a:fld>
             <a:endParaRPr lang="ru-RU" dirty="0"/>
           </a:p>
@@ -884,7 +884,7 @@
           <a:p>
             <a:fld id="{3E0FA9E5-6744-4841-888F-9E7CC0C2B7EC}" type="datetimeFigureOut">
               <a:rPr lang="ru-RU" smtClean="0"/>
-              <a:t>29.05.2018</a:t>
+              <a:t>01.06.2018</a:t>
             </a:fld>
             <a:endParaRPr lang="ru-RU" dirty="0"/>
           </a:p>
@@ -1120,7 +1120,7 @@
             <a:fld id="{3E0FA9E5-6744-4841-888F-9E7CC0C2B7EC}" type="datetimeFigureOut">
               <a:rPr lang="ru-RU" smtClean="0"/>
               <a:pPr/>
-              <a:t>29.05.2018</a:t>
+              <a:t>01.06.2018</a:t>
             </a:fld>
             <a:endParaRPr lang="ru-RU" dirty="0"/>
           </a:p>
@@ -1297,7 +1297,7 @@
             <a:fld id="{3E0FA9E5-6744-4841-888F-9E7CC0C2B7EC}" type="datetimeFigureOut">
               <a:rPr lang="ru-RU" smtClean="0"/>
               <a:pPr/>
-              <a:t>29.05.2018</a:t>
+              <a:t>01.06.2018</a:t>
             </a:fld>
             <a:endParaRPr lang="ru-RU" dirty="0"/>
           </a:p>
@@ -1463,7 +1463,7 @@
           <a:p>
             <a:fld id="{3E0FA9E5-6744-4841-888F-9E7CC0C2B7EC}" type="datetimeFigureOut">
               <a:rPr lang="ru-RU" smtClean="0"/>
-              <a:t>29.05.2018</a:t>
+              <a:t>01.06.2018</a:t>
             </a:fld>
             <a:endParaRPr lang="ru-RU" dirty="0"/>
           </a:p>
@@ -1724,7 +1724,7 @@
           <a:p>
             <a:fld id="{3E0FA9E5-6744-4841-888F-9E7CC0C2B7EC}" type="datetimeFigureOut">
               <a:rPr lang="ru-RU" smtClean="0"/>
-              <a:t>29.05.2018</a:t>
+              <a:t>01.06.2018</a:t>
             </a:fld>
             <a:endParaRPr lang="ru-RU" dirty="0"/>
           </a:p>
@@ -2057,7 +2057,7 @@
           <a:p>
             <a:fld id="{3E0FA9E5-6744-4841-888F-9E7CC0C2B7EC}" type="datetimeFigureOut">
               <a:rPr lang="ru-RU" smtClean="0"/>
-              <a:t>29.05.2018</a:t>
+              <a:t>01.06.2018</a:t>
             </a:fld>
             <a:endParaRPr lang="ru-RU" dirty="0"/>
           </a:p>
@@ -2515,7 +2515,7 @@
           <a:p>
             <a:fld id="{3E0FA9E5-6744-4841-888F-9E7CC0C2B7EC}" type="datetimeFigureOut">
               <a:rPr lang="ru-RU" smtClean="0"/>
-              <a:t>29.05.2018</a:t>
+              <a:t>01.06.2018</a:t>
             </a:fld>
             <a:endParaRPr lang="ru-RU" dirty="0"/>
           </a:p>
@@ -2640,7 +2640,7 @@
           <a:p>
             <a:fld id="{3E0FA9E5-6744-4841-888F-9E7CC0C2B7EC}" type="datetimeFigureOut">
               <a:rPr lang="ru-RU" smtClean="0"/>
-              <a:t>29.05.2018</a:t>
+              <a:t>01.06.2018</a:t>
             </a:fld>
             <a:endParaRPr lang="ru-RU" dirty="0"/>
           </a:p>
@@ -2742,7 +2742,7 @@
           <a:p>
             <a:fld id="{3E0FA9E5-6744-4841-888F-9E7CC0C2B7EC}" type="datetimeFigureOut">
               <a:rPr lang="ru-RU" smtClean="0"/>
-              <a:t>29.05.2018</a:t>
+              <a:t>01.06.2018</a:t>
             </a:fld>
             <a:endParaRPr lang="ru-RU" dirty="0"/>
           </a:p>
@@ -3036,7 +3036,7 @@
           <a:p>
             <a:fld id="{3E0FA9E5-6744-4841-888F-9E7CC0C2B7EC}" type="datetimeFigureOut">
               <a:rPr lang="ru-RU" smtClean="0"/>
-              <a:t>29.05.2018</a:t>
+              <a:t>01.06.2018</a:t>
             </a:fld>
             <a:endParaRPr lang="ru-RU" dirty="0"/>
           </a:p>
@@ -3365,7 +3365,7 @@
           <a:p>
             <a:fld id="{0393231C-9702-6447-A881-5A9BAA4CB57E}" type="datetimeFigureOut">
               <a:rPr lang="ru-RU" smtClean="0"/>
-              <a:t>29.05.2018</a:t>
+              <a:t>01.06.2018</a:t>
             </a:fld>
             <a:endParaRPr lang="ru-RU"/>
           </a:p>
@@ -3627,7 +3627,7 @@
             <a:fld id="{3E0FA9E5-6744-4841-888F-9E7CC0C2B7EC}" type="datetimeFigureOut">
               <a:rPr lang="ru-RU" smtClean="0"/>
               <a:pPr/>
-              <a:t>29.05.2018</a:t>
+              <a:t>01.06.2018</a:t>
             </a:fld>
             <a:endParaRPr lang="ru-RU" dirty="0"/>
           </a:p>
@@ -5642,21 +5642,7 @@
                 <a:latin typeface="Helvetica"/>
                 <a:cs typeface="Helvetica"/>
               </a:rPr>
-              <a:t>Целью курсового проекта является разработка автоматизированной системы для работы приемной комиссии колледжа</a:t>
-            </a:r>
-            <a:r>
-              <a:rPr lang="en-US" sz="2500" dirty="0">
-                <a:latin typeface="Helvetica"/>
-                <a:cs typeface="Helvetica"/>
-              </a:rPr>
-              <a:t> </a:t>
-            </a:r>
-            <a:r>
-              <a:rPr lang="ru-RU" sz="2500" dirty="0">
-                <a:latin typeface="Helvetica"/>
-                <a:cs typeface="Helvetica"/>
-              </a:rPr>
-              <a:t>для получения получение данных об абитуриентах колледжа и их последующего преобразования и формирования отчетов посредством системы 1С</a:t>
+              <a:t>Целью курсового проекта является разработка автоматизированной системы для работы приемной комиссии для получения данных об абитуриентах колледжа и их последующего преобразования и формирования отчетов посредством системы 1С</a:t>
             </a:r>
             <a:r>
               <a:rPr lang="en-US" sz="2500" dirty="0">
